--- a/flights pres.pptx
+++ b/flights pres.pptx
@@ -652,7 +652,7 @@
           <p:cNvPr id="5" name="Изображение 3">
             <a:extLst>
               <a:ext uri="{FF2B5EF4-FFF2-40B4-BE49-F238E27FC236}">
-                <a16:creationId xmlns:a16="http://schemas.microsoft.com/office/drawing/2014/main" xmlns="" id="{40923594-8447-5A46-8A64-5871B7E0E6F7}"/>
+                <a16:creationId xmlns="" xmlns:a16="http://schemas.microsoft.com/office/drawing/2014/main" id="{40923594-8447-5A46-8A64-5871B7E0E6F7}"/>
               </a:ext>
             </a:extLst>
           </p:cNvPr>
@@ -720,7 +720,7 @@
           <p:cNvPr id="4" name="Рисунок 2">
             <a:extLst>
               <a:ext uri="{FF2B5EF4-FFF2-40B4-BE49-F238E27FC236}">
-                <a16:creationId xmlns:a16="http://schemas.microsoft.com/office/drawing/2014/main" xmlns="" id="{121498A8-B247-8E41-B989-21A7A9E9BA40}"/>
+                <a16:creationId xmlns="" xmlns:a16="http://schemas.microsoft.com/office/drawing/2014/main" id="{121498A8-B247-8E41-B989-21A7A9E9BA40}"/>
               </a:ext>
             </a:extLst>
           </p:cNvPr>
@@ -778,7 +778,7 @@
           <p:cNvPr id="5" name="Text Placeholder 2">
             <a:extLst>
               <a:ext uri="{FF2B5EF4-FFF2-40B4-BE49-F238E27FC236}">
-                <a16:creationId xmlns:a16="http://schemas.microsoft.com/office/drawing/2014/main" xmlns="" id="{EC3A226A-A6E5-FC45-8E25-292A9270E55A}"/>
+                <a16:creationId xmlns="" xmlns:a16="http://schemas.microsoft.com/office/drawing/2014/main" id="{EC3A226A-A6E5-FC45-8E25-292A9270E55A}"/>
               </a:ext>
             </a:extLst>
           </p:cNvPr>
@@ -907,7 +907,7 @@
           <p:cNvPr id="8" name="Title 1">
             <a:extLst>
               <a:ext uri="{FF2B5EF4-FFF2-40B4-BE49-F238E27FC236}">
-                <a16:creationId xmlns:a16="http://schemas.microsoft.com/office/drawing/2014/main" xmlns="" id="{40F78064-496F-884F-B574-B9E9DA8CA6C7}"/>
+                <a16:creationId xmlns="" xmlns:a16="http://schemas.microsoft.com/office/drawing/2014/main" id="{40F78064-496F-884F-B574-B9E9DA8CA6C7}"/>
               </a:ext>
             </a:extLst>
           </p:cNvPr>
@@ -1006,7 +1006,7 @@
           <p:cNvPr id="4" name="Рисунок 2">
             <a:extLst>
               <a:ext uri="{FF2B5EF4-FFF2-40B4-BE49-F238E27FC236}">
-                <a16:creationId xmlns:a16="http://schemas.microsoft.com/office/drawing/2014/main" xmlns="" id="{61527DB0-CF55-144D-9CA7-48B711C5913F}"/>
+                <a16:creationId xmlns="" xmlns:a16="http://schemas.microsoft.com/office/drawing/2014/main" id="{61527DB0-CF55-144D-9CA7-48B711C5913F}"/>
               </a:ext>
             </a:extLst>
           </p:cNvPr>
@@ -1461,7 +1461,7 @@
           <p:cNvPr id="5" name="Text Placeholder 2">
             <a:extLst>
               <a:ext uri="{FF2B5EF4-FFF2-40B4-BE49-F238E27FC236}">
-                <a16:creationId xmlns:a16="http://schemas.microsoft.com/office/drawing/2014/main" xmlns="" id="{47B8B226-C026-5B41-8DF8-CE1C75FD8C2C}"/>
+                <a16:creationId xmlns="" xmlns:a16="http://schemas.microsoft.com/office/drawing/2014/main" id="{47B8B226-C026-5B41-8DF8-CE1C75FD8C2C}"/>
               </a:ext>
             </a:extLst>
           </p:cNvPr>
@@ -1590,7 +1590,7 @@
           <p:cNvPr id="6" name="Title 1">
             <a:extLst>
               <a:ext uri="{FF2B5EF4-FFF2-40B4-BE49-F238E27FC236}">
-                <a16:creationId xmlns:a16="http://schemas.microsoft.com/office/drawing/2014/main" xmlns="" id="{7168BEC1-770E-C549-A6A1-8DF59D047572}"/>
+                <a16:creationId xmlns="" xmlns:a16="http://schemas.microsoft.com/office/drawing/2014/main" id="{7168BEC1-770E-C549-A6A1-8DF59D047572}"/>
               </a:ext>
             </a:extLst>
           </p:cNvPr>
@@ -1689,7 +1689,7 @@
           <p:cNvPr id="3" name="Рисунок 2">
             <a:extLst>
               <a:ext uri="{FF2B5EF4-FFF2-40B4-BE49-F238E27FC236}">
-                <a16:creationId xmlns:a16="http://schemas.microsoft.com/office/drawing/2014/main" xmlns="" id="{E68F06DF-25BF-DA43-A249-1D8E105D81F5}"/>
+                <a16:creationId xmlns="" xmlns:a16="http://schemas.microsoft.com/office/drawing/2014/main" id="{E68F06DF-25BF-DA43-A249-1D8E105D81F5}"/>
               </a:ext>
             </a:extLst>
           </p:cNvPr>
@@ -1741,7 +1741,7 @@
           <p:cNvPr id="5" name="Text Placeholder 2">
             <a:extLst>
               <a:ext uri="{FF2B5EF4-FFF2-40B4-BE49-F238E27FC236}">
-                <a16:creationId xmlns:a16="http://schemas.microsoft.com/office/drawing/2014/main" xmlns="" id="{EA2A1BFC-2E62-AF46-B06C-706D800F0BC3}"/>
+                <a16:creationId xmlns="" xmlns:a16="http://schemas.microsoft.com/office/drawing/2014/main" id="{EA2A1BFC-2E62-AF46-B06C-706D800F0BC3}"/>
               </a:ext>
             </a:extLst>
           </p:cNvPr>
@@ -1870,7 +1870,7 @@
           <p:cNvPr id="6" name="Title 1">
             <a:extLst>
               <a:ext uri="{FF2B5EF4-FFF2-40B4-BE49-F238E27FC236}">
-                <a16:creationId xmlns:a16="http://schemas.microsoft.com/office/drawing/2014/main" xmlns="" id="{FB0F8C3D-6D3E-D240-A05F-03CA334B26E4}"/>
+                <a16:creationId xmlns="" xmlns:a16="http://schemas.microsoft.com/office/drawing/2014/main" id="{FB0F8C3D-6D3E-D240-A05F-03CA334B26E4}"/>
               </a:ext>
             </a:extLst>
           </p:cNvPr>
@@ -2038,7 +2038,7 @@
           <p:cNvPr id="32" name="Текст 3">
             <a:extLst>
               <a:ext uri="{FF2B5EF4-FFF2-40B4-BE49-F238E27FC236}">
-                <a16:creationId xmlns:a16="http://schemas.microsoft.com/office/drawing/2014/main" xmlns="" id="{59F20745-D3B4-E445-AF16-337808FC884F}"/>
+                <a16:creationId xmlns="" xmlns:a16="http://schemas.microsoft.com/office/drawing/2014/main" id="{59F20745-D3B4-E445-AF16-337808FC884F}"/>
               </a:ext>
             </a:extLst>
           </p:cNvPr>
@@ -2090,7 +2090,7 @@
           <p:cNvPr id="27" name="Текст 6">
             <a:extLst>
               <a:ext uri="{FF2B5EF4-FFF2-40B4-BE49-F238E27FC236}">
-                <a16:creationId xmlns:a16="http://schemas.microsoft.com/office/drawing/2014/main" xmlns="" id="{68C071BF-C16D-9E4B-AEEF-072A72D2CB63}"/>
+                <a16:creationId xmlns="" xmlns:a16="http://schemas.microsoft.com/office/drawing/2014/main" id="{68C071BF-C16D-9E4B-AEEF-072A72D2CB63}"/>
               </a:ext>
             </a:extLst>
           </p:cNvPr>
@@ -2136,7 +2136,7 @@
           <p:cNvPr id="28" name="Текст 3">
             <a:extLst>
               <a:ext uri="{FF2B5EF4-FFF2-40B4-BE49-F238E27FC236}">
-                <a16:creationId xmlns:a16="http://schemas.microsoft.com/office/drawing/2014/main" xmlns="" id="{D1B7A5B9-7DAF-A941-AE5F-8010D004A7F4}"/>
+                <a16:creationId xmlns="" xmlns:a16="http://schemas.microsoft.com/office/drawing/2014/main" id="{D1B7A5B9-7DAF-A941-AE5F-8010D004A7F4}"/>
               </a:ext>
             </a:extLst>
           </p:cNvPr>
@@ -2188,7 +2188,7 @@
           <p:cNvPr id="29" name="Текст 6">
             <a:extLst>
               <a:ext uri="{FF2B5EF4-FFF2-40B4-BE49-F238E27FC236}">
-                <a16:creationId xmlns:a16="http://schemas.microsoft.com/office/drawing/2014/main" xmlns="" id="{519C18FB-A744-6849-8662-B416DEBDF172}"/>
+                <a16:creationId xmlns="" xmlns:a16="http://schemas.microsoft.com/office/drawing/2014/main" id="{519C18FB-A744-6849-8662-B416DEBDF172}"/>
               </a:ext>
             </a:extLst>
           </p:cNvPr>
@@ -2234,7 +2234,7 @@
           <p:cNvPr id="30" name="Текст 3">
             <a:extLst>
               <a:ext uri="{FF2B5EF4-FFF2-40B4-BE49-F238E27FC236}">
-                <a16:creationId xmlns:a16="http://schemas.microsoft.com/office/drawing/2014/main" xmlns="" id="{F4406C1D-B142-5F47-9DBA-4D0B7047D1E8}"/>
+                <a16:creationId xmlns="" xmlns:a16="http://schemas.microsoft.com/office/drawing/2014/main" id="{F4406C1D-B142-5F47-9DBA-4D0B7047D1E8}"/>
               </a:ext>
             </a:extLst>
           </p:cNvPr>
@@ -2286,7 +2286,7 @@
           <p:cNvPr id="33" name="Текст 6">
             <a:extLst>
               <a:ext uri="{FF2B5EF4-FFF2-40B4-BE49-F238E27FC236}">
-                <a16:creationId xmlns:a16="http://schemas.microsoft.com/office/drawing/2014/main" xmlns="" id="{2BEC180E-3B2E-8640-8FD3-C1E1AC2375D0}"/>
+                <a16:creationId xmlns="" xmlns:a16="http://schemas.microsoft.com/office/drawing/2014/main" id="{2BEC180E-3B2E-8640-8FD3-C1E1AC2375D0}"/>
               </a:ext>
             </a:extLst>
           </p:cNvPr>
@@ -2332,7 +2332,7 @@
           <p:cNvPr id="34" name="Текст 3">
             <a:extLst>
               <a:ext uri="{FF2B5EF4-FFF2-40B4-BE49-F238E27FC236}">
-                <a16:creationId xmlns:a16="http://schemas.microsoft.com/office/drawing/2014/main" xmlns="" id="{A0B4DC4D-EBAE-5742-8F8D-6B3F47BCCE39}"/>
+                <a16:creationId xmlns="" xmlns:a16="http://schemas.microsoft.com/office/drawing/2014/main" id="{A0B4DC4D-EBAE-5742-8F8D-6B3F47BCCE39}"/>
               </a:ext>
             </a:extLst>
           </p:cNvPr>
@@ -2384,7 +2384,7 @@
           <p:cNvPr id="35" name="Текст 6">
             <a:extLst>
               <a:ext uri="{FF2B5EF4-FFF2-40B4-BE49-F238E27FC236}">
-                <a16:creationId xmlns:a16="http://schemas.microsoft.com/office/drawing/2014/main" xmlns="" id="{2D16315E-6FEC-174B-B128-E5925E3BF57B}"/>
+                <a16:creationId xmlns="" xmlns:a16="http://schemas.microsoft.com/office/drawing/2014/main" id="{2D16315E-6FEC-174B-B128-E5925E3BF57B}"/>
               </a:ext>
             </a:extLst>
           </p:cNvPr>
@@ -2430,7 +2430,7 @@
           <p:cNvPr id="36" name="Текст 3">
             <a:extLst>
               <a:ext uri="{FF2B5EF4-FFF2-40B4-BE49-F238E27FC236}">
-                <a16:creationId xmlns:a16="http://schemas.microsoft.com/office/drawing/2014/main" xmlns="" id="{65142D94-0E1F-2049-A2D9-0B8528805211}"/>
+                <a16:creationId xmlns="" xmlns:a16="http://schemas.microsoft.com/office/drawing/2014/main" id="{65142D94-0E1F-2049-A2D9-0B8528805211}"/>
               </a:ext>
             </a:extLst>
           </p:cNvPr>
@@ -2482,7 +2482,7 @@
           <p:cNvPr id="37" name="Текст 6">
             <a:extLst>
               <a:ext uri="{FF2B5EF4-FFF2-40B4-BE49-F238E27FC236}">
-                <a16:creationId xmlns:a16="http://schemas.microsoft.com/office/drawing/2014/main" xmlns="" id="{0A800AF3-5748-4E43-804C-FC43E1776626}"/>
+                <a16:creationId xmlns="" xmlns:a16="http://schemas.microsoft.com/office/drawing/2014/main" id="{0A800AF3-5748-4E43-804C-FC43E1776626}"/>
               </a:ext>
             </a:extLst>
           </p:cNvPr>
@@ -2528,7 +2528,7 @@
           <p:cNvPr id="38" name="Текст 3">
             <a:extLst>
               <a:ext uri="{FF2B5EF4-FFF2-40B4-BE49-F238E27FC236}">
-                <a16:creationId xmlns:a16="http://schemas.microsoft.com/office/drawing/2014/main" xmlns="" id="{EDE561E0-4221-244D-9277-8CEBC45B769C}"/>
+                <a16:creationId xmlns="" xmlns:a16="http://schemas.microsoft.com/office/drawing/2014/main" id="{EDE561E0-4221-244D-9277-8CEBC45B769C}"/>
               </a:ext>
             </a:extLst>
           </p:cNvPr>
@@ -2580,7 +2580,7 @@
           <p:cNvPr id="39" name="Текст 6">
             <a:extLst>
               <a:ext uri="{FF2B5EF4-FFF2-40B4-BE49-F238E27FC236}">
-                <a16:creationId xmlns:a16="http://schemas.microsoft.com/office/drawing/2014/main" xmlns="" id="{9B3E06BA-02B6-454D-8FF6-9F34EB7F2662}"/>
+                <a16:creationId xmlns="" xmlns:a16="http://schemas.microsoft.com/office/drawing/2014/main" id="{9B3E06BA-02B6-454D-8FF6-9F34EB7F2662}"/>
               </a:ext>
             </a:extLst>
           </p:cNvPr>
@@ -2626,7 +2626,7 @@
           <p:cNvPr id="40" name="Текст 3">
             <a:extLst>
               <a:ext uri="{FF2B5EF4-FFF2-40B4-BE49-F238E27FC236}">
-                <a16:creationId xmlns:a16="http://schemas.microsoft.com/office/drawing/2014/main" xmlns="" id="{6B97D422-B3E5-1D45-ADF1-E96D651934AD}"/>
+                <a16:creationId xmlns="" xmlns:a16="http://schemas.microsoft.com/office/drawing/2014/main" id="{6B97D422-B3E5-1D45-ADF1-E96D651934AD}"/>
               </a:ext>
             </a:extLst>
           </p:cNvPr>
@@ -2678,7 +2678,7 @@
           <p:cNvPr id="41" name="Текст 6">
             <a:extLst>
               <a:ext uri="{FF2B5EF4-FFF2-40B4-BE49-F238E27FC236}">
-                <a16:creationId xmlns:a16="http://schemas.microsoft.com/office/drawing/2014/main" xmlns="" id="{A027CAEB-994C-F846-BC00-4FACCD445DA6}"/>
+                <a16:creationId xmlns="" xmlns:a16="http://schemas.microsoft.com/office/drawing/2014/main" id="{A027CAEB-994C-F846-BC00-4FACCD445DA6}"/>
               </a:ext>
             </a:extLst>
           </p:cNvPr>
@@ -2724,7 +2724,7 @@
           <p:cNvPr id="42" name="Текст 3">
             <a:extLst>
               <a:ext uri="{FF2B5EF4-FFF2-40B4-BE49-F238E27FC236}">
-                <a16:creationId xmlns:a16="http://schemas.microsoft.com/office/drawing/2014/main" xmlns="" id="{DCC82649-AFC6-C546-B02B-707A8BFB64EA}"/>
+                <a16:creationId xmlns="" xmlns:a16="http://schemas.microsoft.com/office/drawing/2014/main" id="{DCC82649-AFC6-C546-B02B-707A8BFB64EA}"/>
               </a:ext>
             </a:extLst>
           </p:cNvPr>
@@ -2776,7 +2776,7 @@
           <p:cNvPr id="43" name="Текст 6">
             <a:extLst>
               <a:ext uri="{FF2B5EF4-FFF2-40B4-BE49-F238E27FC236}">
-                <a16:creationId xmlns:a16="http://schemas.microsoft.com/office/drawing/2014/main" xmlns="" id="{785F48D9-DFBF-F543-A309-A41926032259}"/>
+                <a16:creationId xmlns="" xmlns:a16="http://schemas.microsoft.com/office/drawing/2014/main" id="{785F48D9-DFBF-F543-A309-A41926032259}"/>
               </a:ext>
             </a:extLst>
           </p:cNvPr>
@@ -2822,7 +2822,7 @@
           <p:cNvPr id="66" name="Текст 3">
             <a:extLst>
               <a:ext uri="{FF2B5EF4-FFF2-40B4-BE49-F238E27FC236}">
-                <a16:creationId xmlns:a16="http://schemas.microsoft.com/office/drawing/2014/main" xmlns="" id="{D070534D-117D-5D45-A37B-B8EA2D6523C2}"/>
+                <a16:creationId xmlns="" xmlns:a16="http://schemas.microsoft.com/office/drawing/2014/main" id="{D070534D-117D-5D45-A37B-B8EA2D6523C2}"/>
               </a:ext>
             </a:extLst>
           </p:cNvPr>
@@ -2874,7 +2874,7 @@
           <p:cNvPr id="67" name="Текст 6">
             <a:extLst>
               <a:ext uri="{FF2B5EF4-FFF2-40B4-BE49-F238E27FC236}">
-                <a16:creationId xmlns:a16="http://schemas.microsoft.com/office/drawing/2014/main" xmlns="" id="{CACCE557-BB3B-0A4E-AA6C-0DF5ABD7E686}"/>
+                <a16:creationId xmlns="" xmlns:a16="http://schemas.microsoft.com/office/drawing/2014/main" id="{CACCE557-BB3B-0A4E-AA6C-0DF5ABD7E686}"/>
               </a:ext>
             </a:extLst>
           </p:cNvPr>
@@ -2920,7 +2920,7 @@
           <p:cNvPr id="68" name="Текст 3">
             <a:extLst>
               <a:ext uri="{FF2B5EF4-FFF2-40B4-BE49-F238E27FC236}">
-                <a16:creationId xmlns:a16="http://schemas.microsoft.com/office/drawing/2014/main" xmlns="" id="{D3DEBB94-69EE-5842-9000-3509D15EACD7}"/>
+                <a16:creationId xmlns="" xmlns:a16="http://schemas.microsoft.com/office/drawing/2014/main" id="{D3DEBB94-69EE-5842-9000-3509D15EACD7}"/>
               </a:ext>
             </a:extLst>
           </p:cNvPr>
@@ -2972,7 +2972,7 @@
           <p:cNvPr id="69" name="Текст 6">
             <a:extLst>
               <a:ext uri="{FF2B5EF4-FFF2-40B4-BE49-F238E27FC236}">
-                <a16:creationId xmlns:a16="http://schemas.microsoft.com/office/drawing/2014/main" xmlns="" id="{88C3D922-D9E3-D743-94EE-C0562E3A27D0}"/>
+                <a16:creationId xmlns="" xmlns:a16="http://schemas.microsoft.com/office/drawing/2014/main" id="{88C3D922-D9E3-D743-94EE-C0562E3A27D0}"/>
               </a:ext>
             </a:extLst>
           </p:cNvPr>
@@ -3018,7 +3018,7 @@
           <p:cNvPr id="70" name="Текст 3">
             <a:extLst>
               <a:ext uri="{FF2B5EF4-FFF2-40B4-BE49-F238E27FC236}">
-                <a16:creationId xmlns:a16="http://schemas.microsoft.com/office/drawing/2014/main" xmlns="" id="{9592070E-32D6-204B-98DD-C681B353234F}"/>
+                <a16:creationId xmlns="" xmlns:a16="http://schemas.microsoft.com/office/drawing/2014/main" id="{9592070E-32D6-204B-98DD-C681B353234F}"/>
               </a:ext>
             </a:extLst>
           </p:cNvPr>
@@ -3070,7 +3070,7 @@
           <p:cNvPr id="71" name="Текст 6">
             <a:extLst>
               <a:ext uri="{FF2B5EF4-FFF2-40B4-BE49-F238E27FC236}">
-                <a16:creationId xmlns:a16="http://schemas.microsoft.com/office/drawing/2014/main" xmlns="" id="{A5A0FFF5-8CA8-4949-AA02-7FE56AA031B2}"/>
+                <a16:creationId xmlns="" xmlns:a16="http://schemas.microsoft.com/office/drawing/2014/main" id="{A5A0FFF5-8CA8-4949-AA02-7FE56AA031B2}"/>
               </a:ext>
             </a:extLst>
           </p:cNvPr>
@@ -3116,7 +3116,7 @@
           <p:cNvPr id="72" name="Текст 3">
             <a:extLst>
               <a:ext uri="{FF2B5EF4-FFF2-40B4-BE49-F238E27FC236}">
-                <a16:creationId xmlns:a16="http://schemas.microsoft.com/office/drawing/2014/main" xmlns="" id="{1BE75190-6D2A-6E4A-9D09-464B35FDC320}"/>
+                <a16:creationId xmlns="" xmlns:a16="http://schemas.microsoft.com/office/drawing/2014/main" id="{1BE75190-6D2A-6E4A-9D09-464B35FDC320}"/>
               </a:ext>
             </a:extLst>
           </p:cNvPr>
@@ -3280,7 +3280,7 @@
           <p:cNvPr id="32" name="Текст 3">
             <a:extLst>
               <a:ext uri="{FF2B5EF4-FFF2-40B4-BE49-F238E27FC236}">
-                <a16:creationId xmlns:a16="http://schemas.microsoft.com/office/drawing/2014/main" xmlns="" id="{59F20745-D3B4-E445-AF16-337808FC884F}"/>
+                <a16:creationId xmlns="" xmlns:a16="http://schemas.microsoft.com/office/drawing/2014/main" id="{59F20745-D3B4-E445-AF16-337808FC884F}"/>
               </a:ext>
             </a:extLst>
           </p:cNvPr>
@@ -3332,7 +3332,7 @@
           <p:cNvPr id="27" name="Текст 6">
             <a:extLst>
               <a:ext uri="{FF2B5EF4-FFF2-40B4-BE49-F238E27FC236}">
-                <a16:creationId xmlns:a16="http://schemas.microsoft.com/office/drawing/2014/main" xmlns="" id="{68C071BF-C16D-9E4B-AEEF-072A72D2CB63}"/>
+                <a16:creationId xmlns="" xmlns:a16="http://schemas.microsoft.com/office/drawing/2014/main" id="{68C071BF-C16D-9E4B-AEEF-072A72D2CB63}"/>
               </a:ext>
             </a:extLst>
           </p:cNvPr>
@@ -3378,7 +3378,7 @@
           <p:cNvPr id="28" name="Текст 3">
             <a:extLst>
               <a:ext uri="{FF2B5EF4-FFF2-40B4-BE49-F238E27FC236}">
-                <a16:creationId xmlns:a16="http://schemas.microsoft.com/office/drawing/2014/main" xmlns="" id="{D1B7A5B9-7DAF-A941-AE5F-8010D004A7F4}"/>
+                <a16:creationId xmlns="" xmlns:a16="http://schemas.microsoft.com/office/drawing/2014/main" id="{D1B7A5B9-7DAF-A941-AE5F-8010D004A7F4}"/>
               </a:ext>
             </a:extLst>
           </p:cNvPr>
@@ -3430,7 +3430,7 @@
           <p:cNvPr id="29" name="Текст 6">
             <a:extLst>
               <a:ext uri="{FF2B5EF4-FFF2-40B4-BE49-F238E27FC236}">
-                <a16:creationId xmlns:a16="http://schemas.microsoft.com/office/drawing/2014/main" xmlns="" id="{519C18FB-A744-6849-8662-B416DEBDF172}"/>
+                <a16:creationId xmlns="" xmlns:a16="http://schemas.microsoft.com/office/drawing/2014/main" id="{519C18FB-A744-6849-8662-B416DEBDF172}"/>
               </a:ext>
             </a:extLst>
           </p:cNvPr>
@@ -3476,7 +3476,7 @@
           <p:cNvPr id="30" name="Текст 3">
             <a:extLst>
               <a:ext uri="{FF2B5EF4-FFF2-40B4-BE49-F238E27FC236}">
-                <a16:creationId xmlns:a16="http://schemas.microsoft.com/office/drawing/2014/main" xmlns="" id="{F4406C1D-B142-5F47-9DBA-4D0B7047D1E8}"/>
+                <a16:creationId xmlns="" xmlns:a16="http://schemas.microsoft.com/office/drawing/2014/main" id="{F4406C1D-B142-5F47-9DBA-4D0B7047D1E8}"/>
               </a:ext>
             </a:extLst>
           </p:cNvPr>
@@ -3528,7 +3528,7 @@
           <p:cNvPr id="33" name="Текст 6">
             <a:extLst>
               <a:ext uri="{FF2B5EF4-FFF2-40B4-BE49-F238E27FC236}">
-                <a16:creationId xmlns:a16="http://schemas.microsoft.com/office/drawing/2014/main" xmlns="" id="{2BEC180E-3B2E-8640-8FD3-C1E1AC2375D0}"/>
+                <a16:creationId xmlns="" xmlns:a16="http://schemas.microsoft.com/office/drawing/2014/main" id="{2BEC180E-3B2E-8640-8FD3-C1E1AC2375D0}"/>
               </a:ext>
             </a:extLst>
           </p:cNvPr>
@@ -3574,7 +3574,7 @@
           <p:cNvPr id="34" name="Текст 3">
             <a:extLst>
               <a:ext uri="{FF2B5EF4-FFF2-40B4-BE49-F238E27FC236}">
-                <a16:creationId xmlns:a16="http://schemas.microsoft.com/office/drawing/2014/main" xmlns="" id="{A0B4DC4D-EBAE-5742-8F8D-6B3F47BCCE39}"/>
+                <a16:creationId xmlns="" xmlns:a16="http://schemas.microsoft.com/office/drawing/2014/main" id="{A0B4DC4D-EBAE-5742-8F8D-6B3F47BCCE39}"/>
               </a:ext>
             </a:extLst>
           </p:cNvPr>
@@ -3626,7 +3626,7 @@
           <p:cNvPr id="35" name="Текст 6">
             <a:extLst>
               <a:ext uri="{FF2B5EF4-FFF2-40B4-BE49-F238E27FC236}">
-                <a16:creationId xmlns:a16="http://schemas.microsoft.com/office/drawing/2014/main" xmlns="" id="{2D16315E-6FEC-174B-B128-E5925E3BF57B}"/>
+                <a16:creationId xmlns="" xmlns:a16="http://schemas.microsoft.com/office/drawing/2014/main" id="{2D16315E-6FEC-174B-B128-E5925E3BF57B}"/>
               </a:ext>
             </a:extLst>
           </p:cNvPr>
@@ -3672,7 +3672,7 @@
           <p:cNvPr id="36" name="Текст 3">
             <a:extLst>
               <a:ext uri="{FF2B5EF4-FFF2-40B4-BE49-F238E27FC236}">
-                <a16:creationId xmlns:a16="http://schemas.microsoft.com/office/drawing/2014/main" xmlns="" id="{65142D94-0E1F-2049-A2D9-0B8528805211}"/>
+                <a16:creationId xmlns="" xmlns:a16="http://schemas.microsoft.com/office/drawing/2014/main" id="{65142D94-0E1F-2049-A2D9-0B8528805211}"/>
               </a:ext>
             </a:extLst>
           </p:cNvPr>
@@ -3724,7 +3724,7 @@
           <p:cNvPr id="37" name="Текст 6">
             <a:extLst>
               <a:ext uri="{FF2B5EF4-FFF2-40B4-BE49-F238E27FC236}">
-                <a16:creationId xmlns:a16="http://schemas.microsoft.com/office/drawing/2014/main" xmlns="" id="{0A800AF3-5748-4E43-804C-FC43E1776626}"/>
+                <a16:creationId xmlns="" xmlns:a16="http://schemas.microsoft.com/office/drawing/2014/main" id="{0A800AF3-5748-4E43-804C-FC43E1776626}"/>
               </a:ext>
             </a:extLst>
           </p:cNvPr>
@@ -3770,7 +3770,7 @@
           <p:cNvPr id="38" name="Текст 3">
             <a:extLst>
               <a:ext uri="{FF2B5EF4-FFF2-40B4-BE49-F238E27FC236}">
-                <a16:creationId xmlns:a16="http://schemas.microsoft.com/office/drawing/2014/main" xmlns="" id="{EDE561E0-4221-244D-9277-8CEBC45B769C}"/>
+                <a16:creationId xmlns="" xmlns:a16="http://schemas.microsoft.com/office/drawing/2014/main" id="{EDE561E0-4221-244D-9277-8CEBC45B769C}"/>
               </a:ext>
             </a:extLst>
           </p:cNvPr>
@@ -3822,7 +3822,7 @@
           <p:cNvPr id="39" name="Текст 6">
             <a:extLst>
               <a:ext uri="{FF2B5EF4-FFF2-40B4-BE49-F238E27FC236}">
-                <a16:creationId xmlns:a16="http://schemas.microsoft.com/office/drawing/2014/main" xmlns="" id="{9B3E06BA-02B6-454D-8FF6-9F34EB7F2662}"/>
+                <a16:creationId xmlns="" xmlns:a16="http://schemas.microsoft.com/office/drawing/2014/main" id="{9B3E06BA-02B6-454D-8FF6-9F34EB7F2662}"/>
               </a:ext>
             </a:extLst>
           </p:cNvPr>
@@ -3868,7 +3868,7 @@
           <p:cNvPr id="40" name="Текст 3">
             <a:extLst>
               <a:ext uri="{FF2B5EF4-FFF2-40B4-BE49-F238E27FC236}">
-                <a16:creationId xmlns:a16="http://schemas.microsoft.com/office/drawing/2014/main" xmlns="" id="{6B97D422-B3E5-1D45-ADF1-E96D651934AD}"/>
+                <a16:creationId xmlns="" xmlns:a16="http://schemas.microsoft.com/office/drawing/2014/main" id="{6B97D422-B3E5-1D45-ADF1-E96D651934AD}"/>
               </a:ext>
             </a:extLst>
           </p:cNvPr>
@@ -3920,7 +3920,7 @@
           <p:cNvPr id="41" name="Текст 6">
             <a:extLst>
               <a:ext uri="{FF2B5EF4-FFF2-40B4-BE49-F238E27FC236}">
-                <a16:creationId xmlns:a16="http://schemas.microsoft.com/office/drawing/2014/main" xmlns="" id="{A027CAEB-994C-F846-BC00-4FACCD445DA6}"/>
+                <a16:creationId xmlns="" xmlns:a16="http://schemas.microsoft.com/office/drawing/2014/main" id="{A027CAEB-994C-F846-BC00-4FACCD445DA6}"/>
               </a:ext>
             </a:extLst>
           </p:cNvPr>
@@ -3966,7 +3966,7 @@
           <p:cNvPr id="42" name="Текст 3">
             <a:extLst>
               <a:ext uri="{FF2B5EF4-FFF2-40B4-BE49-F238E27FC236}">
-                <a16:creationId xmlns:a16="http://schemas.microsoft.com/office/drawing/2014/main" xmlns="" id="{DCC82649-AFC6-C546-B02B-707A8BFB64EA}"/>
+                <a16:creationId xmlns="" xmlns:a16="http://schemas.microsoft.com/office/drawing/2014/main" id="{DCC82649-AFC6-C546-B02B-707A8BFB64EA}"/>
               </a:ext>
             </a:extLst>
           </p:cNvPr>
@@ -4018,7 +4018,7 @@
           <p:cNvPr id="43" name="Текст 6">
             <a:extLst>
               <a:ext uri="{FF2B5EF4-FFF2-40B4-BE49-F238E27FC236}">
-                <a16:creationId xmlns:a16="http://schemas.microsoft.com/office/drawing/2014/main" xmlns="" id="{785F48D9-DFBF-F543-A309-A41926032259}"/>
+                <a16:creationId xmlns="" xmlns:a16="http://schemas.microsoft.com/office/drawing/2014/main" id="{785F48D9-DFBF-F543-A309-A41926032259}"/>
               </a:ext>
             </a:extLst>
           </p:cNvPr>
@@ -4064,7 +4064,7 @@
           <p:cNvPr id="66" name="Текст 3">
             <a:extLst>
               <a:ext uri="{FF2B5EF4-FFF2-40B4-BE49-F238E27FC236}">
-                <a16:creationId xmlns:a16="http://schemas.microsoft.com/office/drawing/2014/main" xmlns="" id="{D070534D-117D-5D45-A37B-B8EA2D6523C2}"/>
+                <a16:creationId xmlns="" xmlns:a16="http://schemas.microsoft.com/office/drawing/2014/main" id="{D070534D-117D-5D45-A37B-B8EA2D6523C2}"/>
               </a:ext>
             </a:extLst>
           </p:cNvPr>
@@ -4116,7 +4116,7 @@
           <p:cNvPr id="67" name="Текст 6">
             <a:extLst>
               <a:ext uri="{FF2B5EF4-FFF2-40B4-BE49-F238E27FC236}">
-                <a16:creationId xmlns:a16="http://schemas.microsoft.com/office/drawing/2014/main" xmlns="" id="{CACCE557-BB3B-0A4E-AA6C-0DF5ABD7E686}"/>
+                <a16:creationId xmlns="" xmlns:a16="http://schemas.microsoft.com/office/drawing/2014/main" id="{CACCE557-BB3B-0A4E-AA6C-0DF5ABD7E686}"/>
               </a:ext>
             </a:extLst>
           </p:cNvPr>
@@ -4162,7 +4162,7 @@
           <p:cNvPr id="68" name="Текст 3">
             <a:extLst>
               <a:ext uri="{FF2B5EF4-FFF2-40B4-BE49-F238E27FC236}">
-                <a16:creationId xmlns:a16="http://schemas.microsoft.com/office/drawing/2014/main" xmlns="" id="{D3DEBB94-69EE-5842-9000-3509D15EACD7}"/>
+                <a16:creationId xmlns="" xmlns:a16="http://schemas.microsoft.com/office/drawing/2014/main" id="{D3DEBB94-69EE-5842-9000-3509D15EACD7}"/>
               </a:ext>
             </a:extLst>
           </p:cNvPr>
@@ -4214,7 +4214,7 @@
           <p:cNvPr id="69" name="Текст 6">
             <a:extLst>
               <a:ext uri="{FF2B5EF4-FFF2-40B4-BE49-F238E27FC236}">
-                <a16:creationId xmlns:a16="http://schemas.microsoft.com/office/drawing/2014/main" xmlns="" id="{88C3D922-D9E3-D743-94EE-C0562E3A27D0}"/>
+                <a16:creationId xmlns="" xmlns:a16="http://schemas.microsoft.com/office/drawing/2014/main" id="{88C3D922-D9E3-D743-94EE-C0562E3A27D0}"/>
               </a:ext>
             </a:extLst>
           </p:cNvPr>
@@ -4260,7 +4260,7 @@
           <p:cNvPr id="70" name="Текст 3">
             <a:extLst>
               <a:ext uri="{FF2B5EF4-FFF2-40B4-BE49-F238E27FC236}">
-                <a16:creationId xmlns:a16="http://schemas.microsoft.com/office/drawing/2014/main" xmlns="" id="{9592070E-32D6-204B-98DD-C681B353234F}"/>
+                <a16:creationId xmlns="" xmlns:a16="http://schemas.microsoft.com/office/drawing/2014/main" id="{9592070E-32D6-204B-98DD-C681B353234F}"/>
               </a:ext>
             </a:extLst>
           </p:cNvPr>
@@ -4312,7 +4312,7 @@
           <p:cNvPr id="71" name="Текст 6">
             <a:extLst>
               <a:ext uri="{FF2B5EF4-FFF2-40B4-BE49-F238E27FC236}">
-                <a16:creationId xmlns:a16="http://schemas.microsoft.com/office/drawing/2014/main" xmlns="" id="{A5A0FFF5-8CA8-4949-AA02-7FE56AA031B2}"/>
+                <a16:creationId xmlns="" xmlns:a16="http://schemas.microsoft.com/office/drawing/2014/main" id="{A5A0FFF5-8CA8-4949-AA02-7FE56AA031B2}"/>
               </a:ext>
             </a:extLst>
           </p:cNvPr>
@@ -4358,7 +4358,7 @@
           <p:cNvPr id="72" name="Текст 3">
             <a:extLst>
               <a:ext uri="{FF2B5EF4-FFF2-40B4-BE49-F238E27FC236}">
-                <a16:creationId xmlns:a16="http://schemas.microsoft.com/office/drawing/2014/main" xmlns="" id="{1BE75190-6D2A-6E4A-9D09-464B35FDC320}"/>
+                <a16:creationId xmlns="" xmlns:a16="http://schemas.microsoft.com/office/drawing/2014/main" id="{1BE75190-6D2A-6E4A-9D09-464B35FDC320}"/>
               </a:ext>
             </a:extLst>
           </p:cNvPr>
@@ -4565,7 +4565,7 @@
           <p:cNvPr id="4" name="Рисунок 3">
             <a:extLst>
               <a:ext uri="{FF2B5EF4-FFF2-40B4-BE49-F238E27FC236}">
-                <a16:creationId xmlns:a16="http://schemas.microsoft.com/office/drawing/2014/main" xmlns="" id="{AB301DCE-0A8B-3C45-B41F-A56E96E730D4}"/>
+                <a16:creationId xmlns="" xmlns:a16="http://schemas.microsoft.com/office/drawing/2014/main" id="{AB301DCE-0A8B-3C45-B41F-A56E96E730D4}"/>
               </a:ext>
             </a:extLst>
           </p:cNvPr>
@@ -4595,7 +4595,7 @@
           <p:cNvPr id="9" name="Текст 7">
             <a:extLst>
               <a:ext uri="{FF2B5EF4-FFF2-40B4-BE49-F238E27FC236}">
-                <a16:creationId xmlns:a16="http://schemas.microsoft.com/office/drawing/2014/main" xmlns="" id="{DC112D3D-C933-5B4D-80A2-E20728BDFF98}"/>
+                <a16:creationId xmlns="" xmlns:a16="http://schemas.microsoft.com/office/drawing/2014/main" id="{DC112D3D-C933-5B4D-80A2-E20728BDFF98}"/>
               </a:ext>
             </a:extLst>
           </p:cNvPr>
@@ -4800,7 +4800,7 @@
           <p:cNvPr id="4" name="Рисунок 3">
             <a:extLst>
               <a:ext uri="{FF2B5EF4-FFF2-40B4-BE49-F238E27FC236}">
-                <a16:creationId xmlns:a16="http://schemas.microsoft.com/office/drawing/2014/main" xmlns="" id="{AB301DCE-0A8B-3C45-B41F-A56E96E730D4}"/>
+                <a16:creationId xmlns="" xmlns:a16="http://schemas.microsoft.com/office/drawing/2014/main" id="{AB301DCE-0A8B-3C45-B41F-A56E96E730D4}"/>
               </a:ext>
             </a:extLst>
           </p:cNvPr>
@@ -4830,7 +4830,7 @@
           <p:cNvPr id="9" name="Текст 7">
             <a:extLst>
               <a:ext uri="{FF2B5EF4-FFF2-40B4-BE49-F238E27FC236}">
-                <a16:creationId xmlns:a16="http://schemas.microsoft.com/office/drawing/2014/main" xmlns="" id="{DC112D3D-C933-5B4D-80A2-E20728BDFF98}"/>
+                <a16:creationId xmlns="" xmlns:a16="http://schemas.microsoft.com/office/drawing/2014/main" id="{DC112D3D-C933-5B4D-80A2-E20728BDFF98}"/>
               </a:ext>
             </a:extLst>
           </p:cNvPr>
@@ -4902,7 +4902,7 @@
           <p:cNvPr id="5" name="Заголовок 3">
             <a:extLst>
               <a:ext uri="{FF2B5EF4-FFF2-40B4-BE49-F238E27FC236}">
-                <a16:creationId xmlns:a16="http://schemas.microsoft.com/office/drawing/2014/main" xmlns="" id="{F1F4520F-52AD-1A48-9C8D-4DE8B66AEAE1}"/>
+                <a16:creationId xmlns="" xmlns:a16="http://schemas.microsoft.com/office/drawing/2014/main" id="{F1F4520F-52AD-1A48-9C8D-4DE8B66AEAE1}"/>
               </a:ext>
             </a:extLst>
           </p:cNvPr>
@@ -4940,7 +4940,7 @@
           <p:cNvPr id="6" name="Footer Placeholder 4">
             <a:extLst>
               <a:ext uri="{FF2B5EF4-FFF2-40B4-BE49-F238E27FC236}">
-                <a16:creationId xmlns:a16="http://schemas.microsoft.com/office/drawing/2014/main" xmlns="" id="{5DE2E1D8-A8FD-4F4D-9760-DE2B5FE20F1A}"/>
+                <a16:creationId xmlns="" xmlns:a16="http://schemas.microsoft.com/office/drawing/2014/main" id="{5DE2E1D8-A8FD-4F4D-9760-DE2B5FE20F1A}"/>
               </a:ext>
             </a:extLst>
           </p:cNvPr>
@@ -4985,7 +4985,7 @@
           <p:cNvPr id="7" name="Slide Number Placeholder 5">
             <a:extLst>
               <a:ext uri="{FF2B5EF4-FFF2-40B4-BE49-F238E27FC236}">
-                <a16:creationId xmlns:a16="http://schemas.microsoft.com/office/drawing/2014/main" xmlns="" id="{52E98DA7-8DF9-9948-95F5-7937E92298BE}"/>
+                <a16:creationId xmlns="" xmlns:a16="http://schemas.microsoft.com/office/drawing/2014/main" id="{52E98DA7-8DF9-9948-95F5-7937E92298BE}"/>
               </a:ext>
             </a:extLst>
           </p:cNvPr>
@@ -5062,7 +5062,7 @@
           <p:cNvPr id="12" name="Заголовок 3">
             <a:extLst>
               <a:ext uri="{FF2B5EF4-FFF2-40B4-BE49-F238E27FC236}">
-                <a16:creationId xmlns:a16="http://schemas.microsoft.com/office/drawing/2014/main" xmlns="" id="{607F4B8C-DB90-6540-9795-57F9A5AAAF53}"/>
+                <a16:creationId xmlns="" xmlns:a16="http://schemas.microsoft.com/office/drawing/2014/main" id="{607F4B8C-DB90-6540-9795-57F9A5AAAF53}"/>
               </a:ext>
             </a:extLst>
           </p:cNvPr>
@@ -5100,7 +5100,7 @@
           <p:cNvPr id="13" name="Footer Placeholder 4">
             <a:extLst>
               <a:ext uri="{FF2B5EF4-FFF2-40B4-BE49-F238E27FC236}">
-                <a16:creationId xmlns:a16="http://schemas.microsoft.com/office/drawing/2014/main" xmlns="" id="{BCB4834C-13A3-1E45-A0FE-EAE4CD820845}"/>
+                <a16:creationId xmlns="" xmlns:a16="http://schemas.microsoft.com/office/drawing/2014/main" id="{BCB4834C-13A3-1E45-A0FE-EAE4CD820845}"/>
               </a:ext>
             </a:extLst>
           </p:cNvPr>
@@ -5145,7 +5145,7 @@
           <p:cNvPr id="14" name="Slide Number Placeholder 5">
             <a:extLst>
               <a:ext uri="{FF2B5EF4-FFF2-40B4-BE49-F238E27FC236}">
-                <a16:creationId xmlns:a16="http://schemas.microsoft.com/office/drawing/2014/main" xmlns="" id="{FB4987C1-9D19-CF40-BD05-035DFB1E0C54}"/>
+                <a16:creationId xmlns="" xmlns:a16="http://schemas.microsoft.com/office/drawing/2014/main" id="{FB4987C1-9D19-CF40-BD05-035DFB1E0C54}"/>
               </a:ext>
             </a:extLst>
           </p:cNvPr>
@@ -5192,7 +5192,7 @@
           <p:cNvPr id="18" name="Текст 2">
             <a:extLst>
               <a:ext uri="{FF2B5EF4-FFF2-40B4-BE49-F238E27FC236}">
-                <a16:creationId xmlns:a16="http://schemas.microsoft.com/office/drawing/2014/main" xmlns="" id="{6F273CA4-8668-8D40-89E1-2DF41C77981E}"/>
+                <a16:creationId xmlns="" xmlns:a16="http://schemas.microsoft.com/office/drawing/2014/main" id="{6F273CA4-8668-8D40-89E1-2DF41C77981E}"/>
               </a:ext>
             </a:extLst>
           </p:cNvPr>
@@ -5660,7 +5660,7 @@
           <p:cNvPr id="12" name="Footer Placeholder 4">
             <a:extLst>
               <a:ext uri="{FF2B5EF4-FFF2-40B4-BE49-F238E27FC236}">
-                <a16:creationId xmlns:a16="http://schemas.microsoft.com/office/drawing/2014/main" xmlns="" id="{DD2FEAE7-7057-4449-B93D-8877B3B3B6CE}"/>
+                <a16:creationId xmlns="" xmlns:a16="http://schemas.microsoft.com/office/drawing/2014/main" id="{DD2FEAE7-7057-4449-B93D-8877B3B3B6CE}"/>
               </a:ext>
             </a:extLst>
           </p:cNvPr>
@@ -5705,7 +5705,7 @@
           <p:cNvPr id="13" name="Slide Number Placeholder 5">
             <a:extLst>
               <a:ext uri="{FF2B5EF4-FFF2-40B4-BE49-F238E27FC236}">
-                <a16:creationId xmlns:a16="http://schemas.microsoft.com/office/drawing/2014/main" xmlns="" id="{2D12129F-1D47-254A-89F8-DC26161B87E2}"/>
+                <a16:creationId xmlns="" xmlns:a16="http://schemas.microsoft.com/office/drawing/2014/main" id="{2D12129F-1D47-254A-89F8-DC26161B87E2}"/>
               </a:ext>
             </a:extLst>
           </p:cNvPr>
@@ -5752,7 +5752,7 @@
           <p:cNvPr id="14" name="Заголовок 3">
             <a:extLst>
               <a:ext uri="{FF2B5EF4-FFF2-40B4-BE49-F238E27FC236}">
-                <a16:creationId xmlns:a16="http://schemas.microsoft.com/office/drawing/2014/main" xmlns="" id="{FFF6938D-3112-4D42-A9E5-13EC2B15E1A3}"/>
+                <a16:creationId xmlns="" xmlns:a16="http://schemas.microsoft.com/office/drawing/2014/main" id="{FFF6938D-3112-4D42-A9E5-13EC2B15E1A3}"/>
               </a:ext>
             </a:extLst>
           </p:cNvPr>
@@ -5790,7 +5790,7 @@
           <p:cNvPr id="4" name="Текст 3">
             <a:extLst>
               <a:ext uri="{FF2B5EF4-FFF2-40B4-BE49-F238E27FC236}">
-                <a16:creationId xmlns:a16="http://schemas.microsoft.com/office/drawing/2014/main" xmlns="" id="{7DC8D795-4C1C-AF42-9709-B7233538573F}"/>
+                <a16:creationId xmlns="" xmlns:a16="http://schemas.microsoft.com/office/drawing/2014/main" id="{7DC8D795-4C1C-AF42-9709-B7233538573F}"/>
               </a:ext>
             </a:extLst>
           </p:cNvPr>
@@ -6221,7 +6221,7 @@
           <p:cNvPr id="7" name="Текст 2">
             <a:extLst>
               <a:ext uri="{FF2B5EF4-FFF2-40B4-BE49-F238E27FC236}">
-                <a16:creationId xmlns:a16="http://schemas.microsoft.com/office/drawing/2014/main" xmlns="" id="{E4C2E3AF-06DA-2C4F-BDE4-E2EAFC12BA55}"/>
+                <a16:creationId xmlns="" xmlns:a16="http://schemas.microsoft.com/office/drawing/2014/main" id="{E4C2E3AF-06DA-2C4F-BDE4-E2EAFC12BA55}"/>
               </a:ext>
             </a:extLst>
           </p:cNvPr>
@@ -6407,7 +6407,7 @@
           <p:cNvPr id="3" name="Изображение 3">
             <a:extLst>
               <a:ext uri="{FF2B5EF4-FFF2-40B4-BE49-F238E27FC236}">
-                <a16:creationId xmlns:a16="http://schemas.microsoft.com/office/drawing/2014/main" xmlns="" id="{14A44DEE-CE10-CA46-AD73-F9481496D74F}"/>
+                <a16:creationId xmlns="" xmlns:a16="http://schemas.microsoft.com/office/drawing/2014/main" id="{14A44DEE-CE10-CA46-AD73-F9481496D74F}"/>
               </a:ext>
             </a:extLst>
           </p:cNvPr>
@@ -6467,7 +6467,7 @@
           <p:cNvPr id="11" name="Footer Placeholder 4">
             <a:extLst>
               <a:ext uri="{FF2B5EF4-FFF2-40B4-BE49-F238E27FC236}">
-                <a16:creationId xmlns:a16="http://schemas.microsoft.com/office/drawing/2014/main" xmlns="" id="{F451AF27-5FB1-0D40-AA05-42DF652483EB}"/>
+                <a16:creationId xmlns="" xmlns:a16="http://schemas.microsoft.com/office/drawing/2014/main" id="{F451AF27-5FB1-0D40-AA05-42DF652483EB}"/>
               </a:ext>
             </a:extLst>
           </p:cNvPr>
@@ -6512,7 +6512,7 @@
           <p:cNvPr id="14" name="Slide Number Placeholder 5">
             <a:extLst>
               <a:ext uri="{FF2B5EF4-FFF2-40B4-BE49-F238E27FC236}">
-                <a16:creationId xmlns:a16="http://schemas.microsoft.com/office/drawing/2014/main" xmlns="" id="{125D4967-2BE7-CC40-970C-E59E736E984D}"/>
+                <a16:creationId xmlns="" xmlns:a16="http://schemas.microsoft.com/office/drawing/2014/main" id="{125D4967-2BE7-CC40-970C-E59E736E984D}"/>
               </a:ext>
             </a:extLst>
           </p:cNvPr>
@@ -6559,7 +6559,7 @@
           <p:cNvPr id="16" name="Заголовок 3">
             <a:extLst>
               <a:ext uri="{FF2B5EF4-FFF2-40B4-BE49-F238E27FC236}">
-                <a16:creationId xmlns:a16="http://schemas.microsoft.com/office/drawing/2014/main" xmlns="" id="{00CE3A18-3BEE-1E48-8DB5-EFDF81BE4892}"/>
+                <a16:creationId xmlns="" xmlns:a16="http://schemas.microsoft.com/office/drawing/2014/main" id="{00CE3A18-3BEE-1E48-8DB5-EFDF81BE4892}"/>
               </a:ext>
             </a:extLst>
           </p:cNvPr>
@@ -6597,7 +6597,7 @@
           <p:cNvPr id="9" name="Текст 2">
             <a:extLst>
               <a:ext uri="{FF2B5EF4-FFF2-40B4-BE49-F238E27FC236}">
-                <a16:creationId xmlns:a16="http://schemas.microsoft.com/office/drawing/2014/main" xmlns="" id="{2B4190AE-DE9D-7B45-8685-C75786D2E289}"/>
+                <a16:creationId xmlns="" xmlns:a16="http://schemas.microsoft.com/office/drawing/2014/main" id="{2B4190AE-DE9D-7B45-8685-C75786D2E289}"/>
               </a:ext>
             </a:extLst>
           </p:cNvPr>
@@ -6753,7 +6753,7 @@
           <p:cNvPr id="10" name="Текст 2">
             <a:extLst>
               <a:ext uri="{FF2B5EF4-FFF2-40B4-BE49-F238E27FC236}">
-                <a16:creationId xmlns:a16="http://schemas.microsoft.com/office/drawing/2014/main" xmlns="" id="{091E2E21-1D6C-DD48-81BA-272FC2FB570B}"/>
+                <a16:creationId xmlns="" xmlns:a16="http://schemas.microsoft.com/office/drawing/2014/main" id="{091E2E21-1D6C-DD48-81BA-272FC2FB570B}"/>
               </a:ext>
             </a:extLst>
           </p:cNvPr>
@@ -6939,7 +6939,7 @@
           <p:cNvPr id="15" name="Footer Placeholder 4">
             <a:extLst>
               <a:ext uri="{FF2B5EF4-FFF2-40B4-BE49-F238E27FC236}">
-                <a16:creationId xmlns:a16="http://schemas.microsoft.com/office/drawing/2014/main" xmlns="" id="{10EBDA6F-21A1-7E49-AD6B-DA4F4E7C0F4C}"/>
+                <a16:creationId xmlns="" xmlns:a16="http://schemas.microsoft.com/office/drawing/2014/main" id="{10EBDA6F-21A1-7E49-AD6B-DA4F4E7C0F4C}"/>
               </a:ext>
             </a:extLst>
           </p:cNvPr>
@@ -6984,7 +6984,7 @@
           <p:cNvPr id="16" name="Slide Number Placeholder 5">
             <a:extLst>
               <a:ext uri="{FF2B5EF4-FFF2-40B4-BE49-F238E27FC236}">
-                <a16:creationId xmlns:a16="http://schemas.microsoft.com/office/drawing/2014/main" xmlns="" id="{1ED9AF63-0A12-2D4E-9664-3EE781D6F59D}"/>
+                <a16:creationId xmlns="" xmlns:a16="http://schemas.microsoft.com/office/drawing/2014/main" id="{1ED9AF63-0A12-2D4E-9664-3EE781D6F59D}"/>
               </a:ext>
             </a:extLst>
           </p:cNvPr>
@@ -7031,7 +7031,7 @@
           <p:cNvPr id="18" name="Заголовок 3">
             <a:extLst>
               <a:ext uri="{FF2B5EF4-FFF2-40B4-BE49-F238E27FC236}">
-                <a16:creationId xmlns:a16="http://schemas.microsoft.com/office/drawing/2014/main" xmlns="" id="{20BF5248-E041-F94F-85C6-134408C35256}"/>
+                <a16:creationId xmlns="" xmlns:a16="http://schemas.microsoft.com/office/drawing/2014/main" id="{20BF5248-E041-F94F-85C6-134408C35256}"/>
               </a:ext>
             </a:extLst>
           </p:cNvPr>
@@ -7069,7 +7069,7 @@
           <p:cNvPr id="9" name="Текст 3">
             <a:extLst>
               <a:ext uri="{FF2B5EF4-FFF2-40B4-BE49-F238E27FC236}">
-                <a16:creationId xmlns:a16="http://schemas.microsoft.com/office/drawing/2014/main" xmlns="" id="{772462EC-AF59-4D4E-ABCE-0C5A2D583522}"/>
+                <a16:creationId xmlns="" xmlns:a16="http://schemas.microsoft.com/office/drawing/2014/main" id="{772462EC-AF59-4D4E-ABCE-0C5A2D583522}"/>
               </a:ext>
             </a:extLst>
           </p:cNvPr>
@@ -7500,7 +7500,7 @@
           <p:cNvPr id="10" name="Текст 2">
             <a:extLst>
               <a:ext uri="{FF2B5EF4-FFF2-40B4-BE49-F238E27FC236}">
-                <a16:creationId xmlns:a16="http://schemas.microsoft.com/office/drawing/2014/main" xmlns="" id="{9682A56D-E86B-DE49-A3AA-B88DB8F5C236}"/>
+                <a16:creationId xmlns="" xmlns:a16="http://schemas.microsoft.com/office/drawing/2014/main" id="{9682A56D-E86B-DE49-A3AA-B88DB8F5C236}"/>
               </a:ext>
             </a:extLst>
           </p:cNvPr>
@@ -7656,7 +7656,7 @@
           <p:cNvPr id="11" name="Текст 2">
             <a:extLst>
               <a:ext uri="{FF2B5EF4-FFF2-40B4-BE49-F238E27FC236}">
-                <a16:creationId xmlns:a16="http://schemas.microsoft.com/office/drawing/2014/main" xmlns="" id="{1F96D506-1E9B-A94F-BF59-F9E5F9FB6194}"/>
+                <a16:creationId xmlns="" xmlns:a16="http://schemas.microsoft.com/office/drawing/2014/main" id="{1F96D506-1E9B-A94F-BF59-F9E5F9FB6194}"/>
               </a:ext>
             </a:extLst>
           </p:cNvPr>
@@ -7877,7 +7877,7 @@
           <p:cNvPr id="14" name="Footer Placeholder 4">
             <a:extLst>
               <a:ext uri="{FF2B5EF4-FFF2-40B4-BE49-F238E27FC236}">
-                <a16:creationId xmlns:a16="http://schemas.microsoft.com/office/drawing/2014/main" xmlns="" id="{3B556212-67BA-FE4E-A4C5-BEB4228D78D1}"/>
+                <a16:creationId xmlns="" xmlns:a16="http://schemas.microsoft.com/office/drawing/2014/main" id="{3B556212-67BA-FE4E-A4C5-BEB4228D78D1}"/>
               </a:ext>
             </a:extLst>
           </p:cNvPr>
@@ -7922,7 +7922,7 @@
           <p:cNvPr id="15" name="Slide Number Placeholder 5">
             <a:extLst>
               <a:ext uri="{FF2B5EF4-FFF2-40B4-BE49-F238E27FC236}">
-                <a16:creationId xmlns:a16="http://schemas.microsoft.com/office/drawing/2014/main" xmlns="" id="{791C2DF9-0B26-E448-AD09-5E231671BA5F}"/>
+                <a16:creationId xmlns="" xmlns:a16="http://schemas.microsoft.com/office/drawing/2014/main" id="{791C2DF9-0B26-E448-AD09-5E231671BA5F}"/>
               </a:ext>
             </a:extLst>
           </p:cNvPr>
@@ -7969,7 +7969,7 @@
           <p:cNvPr id="17" name="Заголовок 3">
             <a:extLst>
               <a:ext uri="{FF2B5EF4-FFF2-40B4-BE49-F238E27FC236}">
-                <a16:creationId xmlns:a16="http://schemas.microsoft.com/office/drawing/2014/main" xmlns="" id="{0AC953BC-6440-414F-B224-7989C84955F1}"/>
+                <a16:creationId xmlns="" xmlns:a16="http://schemas.microsoft.com/office/drawing/2014/main" id="{0AC953BC-6440-414F-B224-7989C84955F1}"/>
               </a:ext>
             </a:extLst>
           </p:cNvPr>
@@ -8007,7 +8007,7 @@
           <p:cNvPr id="8" name="Текст 2">
             <a:extLst>
               <a:ext uri="{FF2B5EF4-FFF2-40B4-BE49-F238E27FC236}">
-                <a16:creationId xmlns:a16="http://schemas.microsoft.com/office/drawing/2014/main" xmlns="" id="{764DA894-71EE-8F44-BC82-1B4FD8DA6655}"/>
+                <a16:creationId xmlns="" xmlns:a16="http://schemas.microsoft.com/office/drawing/2014/main" id="{764DA894-71EE-8F44-BC82-1B4FD8DA6655}"/>
               </a:ext>
             </a:extLst>
           </p:cNvPr>
@@ -8196,7 +8196,7 @@
           <p:cNvPr id="9" name="Текст 2">
             <a:extLst>
               <a:ext uri="{FF2B5EF4-FFF2-40B4-BE49-F238E27FC236}">
-                <a16:creationId xmlns:a16="http://schemas.microsoft.com/office/drawing/2014/main" xmlns="" id="{4DB96E68-4ABE-704B-AFBC-B303CF814AFA}"/>
+                <a16:creationId xmlns="" xmlns:a16="http://schemas.microsoft.com/office/drawing/2014/main" id="{4DB96E68-4ABE-704B-AFBC-B303CF814AFA}"/>
               </a:ext>
             </a:extLst>
           </p:cNvPr>
@@ -8385,7 +8385,7 @@
           <p:cNvPr id="10" name="Текст 3">
             <a:extLst>
               <a:ext uri="{FF2B5EF4-FFF2-40B4-BE49-F238E27FC236}">
-                <a16:creationId xmlns:a16="http://schemas.microsoft.com/office/drawing/2014/main" xmlns="" id="{7B24B671-40E4-6946-947D-AA93D59EAC19}"/>
+                <a16:creationId xmlns="" xmlns:a16="http://schemas.microsoft.com/office/drawing/2014/main" id="{7B24B671-40E4-6946-947D-AA93D59EAC19}"/>
               </a:ext>
             </a:extLst>
           </p:cNvPr>
@@ -8599,7 +8599,7 @@
           <p:cNvPr id="15" name="Footer Placeholder 4">
             <a:extLst>
               <a:ext uri="{FF2B5EF4-FFF2-40B4-BE49-F238E27FC236}">
-                <a16:creationId xmlns:a16="http://schemas.microsoft.com/office/drawing/2014/main" xmlns="" id="{9E306CA0-176F-4945-A654-2DBE4D1D547A}"/>
+                <a16:creationId xmlns="" xmlns:a16="http://schemas.microsoft.com/office/drawing/2014/main" id="{9E306CA0-176F-4945-A654-2DBE4D1D547A}"/>
               </a:ext>
             </a:extLst>
           </p:cNvPr>
@@ -8644,7 +8644,7 @@
           <p:cNvPr id="16" name="Slide Number Placeholder 5">
             <a:extLst>
               <a:ext uri="{FF2B5EF4-FFF2-40B4-BE49-F238E27FC236}">
-                <a16:creationId xmlns:a16="http://schemas.microsoft.com/office/drawing/2014/main" xmlns="" id="{12339929-65BC-754B-AF8C-4F30167D759B}"/>
+                <a16:creationId xmlns="" xmlns:a16="http://schemas.microsoft.com/office/drawing/2014/main" id="{12339929-65BC-754B-AF8C-4F30167D759B}"/>
               </a:ext>
             </a:extLst>
           </p:cNvPr>
@@ -8691,7 +8691,7 @@
           <p:cNvPr id="17" name="Заголовок 3">
             <a:extLst>
               <a:ext uri="{FF2B5EF4-FFF2-40B4-BE49-F238E27FC236}">
-                <a16:creationId xmlns:a16="http://schemas.microsoft.com/office/drawing/2014/main" xmlns="" id="{BA1667F9-A8AD-E64B-A003-654CEF801BA2}"/>
+                <a16:creationId xmlns="" xmlns:a16="http://schemas.microsoft.com/office/drawing/2014/main" id="{BA1667F9-A8AD-E64B-A003-654CEF801BA2}"/>
               </a:ext>
             </a:extLst>
           </p:cNvPr>
@@ -8729,7 +8729,7 @@
           <p:cNvPr id="9" name="Текст 2">
             <a:extLst>
               <a:ext uri="{FF2B5EF4-FFF2-40B4-BE49-F238E27FC236}">
-                <a16:creationId xmlns:a16="http://schemas.microsoft.com/office/drawing/2014/main" xmlns="" id="{76CE419A-D9BE-DA49-96A7-91BE433CB6E6}"/>
+                <a16:creationId xmlns="" xmlns:a16="http://schemas.microsoft.com/office/drawing/2014/main" id="{76CE419A-D9BE-DA49-96A7-91BE433CB6E6}"/>
               </a:ext>
             </a:extLst>
           </p:cNvPr>
@@ -8885,7 +8885,7 @@
           <p:cNvPr id="11" name="Текст 3">
             <a:extLst>
               <a:ext uri="{FF2B5EF4-FFF2-40B4-BE49-F238E27FC236}">
-                <a16:creationId xmlns:a16="http://schemas.microsoft.com/office/drawing/2014/main" xmlns="" id="{90909538-8E3A-AA48-B5DC-463AB585C571}"/>
+                <a16:creationId xmlns="" xmlns:a16="http://schemas.microsoft.com/office/drawing/2014/main" id="{90909538-8E3A-AA48-B5DC-463AB585C571}"/>
               </a:ext>
             </a:extLst>
           </p:cNvPr>
@@ -9069,7 +9069,7 @@
           <p:cNvPr id="12" name="Текст 2">
             <a:extLst>
               <a:ext uri="{FF2B5EF4-FFF2-40B4-BE49-F238E27FC236}">
-                <a16:creationId xmlns:a16="http://schemas.microsoft.com/office/drawing/2014/main" xmlns="" id="{DD0D547E-0567-2E43-BDB4-18B73972463B}"/>
+                <a16:creationId xmlns="" xmlns:a16="http://schemas.microsoft.com/office/drawing/2014/main" id="{DD0D547E-0567-2E43-BDB4-18B73972463B}"/>
               </a:ext>
             </a:extLst>
           </p:cNvPr>
@@ -9225,7 +9225,7 @@
           <p:cNvPr id="13" name="Текст 2">
             <a:extLst>
               <a:ext uri="{FF2B5EF4-FFF2-40B4-BE49-F238E27FC236}">
-                <a16:creationId xmlns:a16="http://schemas.microsoft.com/office/drawing/2014/main" xmlns="" id="{7F3B418F-486F-E146-96CE-6A5782E1AE42}"/>
+                <a16:creationId xmlns="" xmlns:a16="http://schemas.microsoft.com/office/drawing/2014/main" id="{7F3B418F-486F-E146-96CE-6A5782E1AE42}"/>
               </a:ext>
             </a:extLst>
           </p:cNvPr>
@@ -9411,7 +9411,7 @@
           <p:cNvPr id="13" name="Footer Placeholder 4">
             <a:extLst>
               <a:ext uri="{FF2B5EF4-FFF2-40B4-BE49-F238E27FC236}">
-                <a16:creationId xmlns:a16="http://schemas.microsoft.com/office/drawing/2014/main" xmlns="" id="{4DCBCA59-A27E-6F49-9EC9-3C2864EBE0B4}"/>
+                <a16:creationId xmlns="" xmlns:a16="http://schemas.microsoft.com/office/drawing/2014/main" id="{4DCBCA59-A27E-6F49-9EC9-3C2864EBE0B4}"/>
               </a:ext>
             </a:extLst>
           </p:cNvPr>
@@ -9456,7 +9456,7 @@
           <p:cNvPr id="15" name="Slide Number Placeholder 5">
             <a:extLst>
               <a:ext uri="{FF2B5EF4-FFF2-40B4-BE49-F238E27FC236}">
-                <a16:creationId xmlns:a16="http://schemas.microsoft.com/office/drawing/2014/main" xmlns="" id="{4B9D87B5-8C87-984D-8958-FBC95639D1AE}"/>
+                <a16:creationId xmlns="" xmlns:a16="http://schemas.microsoft.com/office/drawing/2014/main" id="{4B9D87B5-8C87-984D-8958-FBC95639D1AE}"/>
               </a:ext>
             </a:extLst>
           </p:cNvPr>
@@ -9503,7 +9503,7 @@
           <p:cNvPr id="18" name="Заголовок 3">
             <a:extLst>
               <a:ext uri="{FF2B5EF4-FFF2-40B4-BE49-F238E27FC236}">
-                <a16:creationId xmlns:a16="http://schemas.microsoft.com/office/drawing/2014/main" xmlns="" id="{3FC09214-3A10-8149-B5D5-03C5DB0DED66}"/>
+                <a16:creationId xmlns="" xmlns:a16="http://schemas.microsoft.com/office/drawing/2014/main" id="{3FC09214-3A10-8149-B5D5-03C5DB0DED66}"/>
               </a:ext>
             </a:extLst>
           </p:cNvPr>
@@ -9541,7 +9541,7 @@
           <p:cNvPr id="9" name="Текст 2">
             <a:extLst>
               <a:ext uri="{FF2B5EF4-FFF2-40B4-BE49-F238E27FC236}">
-                <a16:creationId xmlns:a16="http://schemas.microsoft.com/office/drawing/2014/main" xmlns="" id="{785647C1-EE1C-7F44-8C28-ACEB3FC08076}"/>
+                <a16:creationId xmlns="" xmlns:a16="http://schemas.microsoft.com/office/drawing/2014/main" id="{785647C1-EE1C-7F44-8C28-ACEB3FC08076}"/>
               </a:ext>
             </a:extLst>
           </p:cNvPr>
@@ -9697,7 +9697,7 @@
           <p:cNvPr id="10" name="Текст 2">
             <a:extLst>
               <a:ext uri="{FF2B5EF4-FFF2-40B4-BE49-F238E27FC236}">
-                <a16:creationId xmlns:a16="http://schemas.microsoft.com/office/drawing/2014/main" xmlns="" id="{9E789020-B7CC-3649-8BFF-F3DCDA17E88B}"/>
+                <a16:creationId xmlns="" xmlns:a16="http://schemas.microsoft.com/office/drawing/2014/main" id="{9E789020-B7CC-3649-8BFF-F3DCDA17E88B}"/>
               </a:ext>
             </a:extLst>
           </p:cNvPr>
@@ -9853,7 +9853,7 @@
           <p:cNvPr id="14" name="Текст 3">
             <a:extLst>
               <a:ext uri="{FF2B5EF4-FFF2-40B4-BE49-F238E27FC236}">
-                <a16:creationId xmlns:a16="http://schemas.microsoft.com/office/drawing/2014/main" xmlns="" id="{F820E3BF-EFD7-3F46-A713-6D087614235A}"/>
+                <a16:creationId xmlns="" xmlns:a16="http://schemas.microsoft.com/office/drawing/2014/main" id="{F820E3BF-EFD7-3F46-A713-6D087614235A}"/>
               </a:ext>
             </a:extLst>
           </p:cNvPr>
@@ -10004,7 +10004,7 @@
           <p:cNvPr id="19" name="Текст 3">
             <a:extLst>
               <a:ext uri="{FF2B5EF4-FFF2-40B4-BE49-F238E27FC236}">
-                <a16:creationId xmlns:a16="http://schemas.microsoft.com/office/drawing/2014/main" xmlns="" id="{94B867F9-5BE9-B348-BC8F-0600AA8125CA}"/>
+                <a16:creationId xmlns="" xmlns:a16="http://schemas.microsoft.com/office/drawing/2014/main" id="{94B867F9-5BE9-B348-BC8F-0600AA8125CA}"/>
               </a:ext>
             </a:extLst>
           </p:cNvPr>
@@ -10185,7 +10185,7 @@
           <p:cNvPr id="12" name="Footer Placeholder 4">
             <a:extLst>
               <a:ext uri="{FF2B5EF4-FFF2-40B4-BE49-F238E27FC236}">
-                <a16:creationId xmlns:a16="http://schemas.microsoft.com/office/drawing/2014/main" xmlns="" id="{9B46248E-F3FC-6345-9529-CFA085A39B1D}"/>
+                <a16:creationId xmlns="" xmlns:a16="http://schemas.microsoft.com/office/drawing/2014/main" id="{9B46248E-F3FC-6345-9529-CFA085A39B1D}"/>
               </a:ext>
             </a:extLst>
           </p:cNvPr>
@@ -10230,7 +10230,7 @@
           <p:cNvPr id="13" name="Slide Number Placeholder 5">
             <a:extLst>
               <a:ext uri="{FF2B5EF4-FFF2-40B4-BE49-F238E27FC236}">
-                <a16:creationId xmlns:a16="http://schemas.microsoft.com/office/drawing/2014/main" xmlns="" id="{2E78A705-AB97-1841-9C7A-780231BD3633}"/>
+                <a16:creationId xmlns="" xmlns:a16="http://schemas.microsoft.com/office/drawing/2014/main" id="{2E78A705-AB97-1841-9C7A-780231BD3633}"/>
               </a:ext>
             </a:extLst>
           </p:cNvPr>
@@ -10277,7 +10277,7 @@
           <p:cNvPr id="14" name="Заголовок 3">
             <a:extLst>
               <a:ext uri="{FF2B5EF4-FFF2-40B4-BE49-F238E27FC236}">
-                <a16:creationId xmlns:a16="http://schemas.microsoft.com/office/drawing/2014/main" xmlns="" id="{240A0DF0-5686-A049-8194-F9C6A0B548A0}"/>
+                <a16:creationId xmlns="" xmlns:a16="http://schemas.microsoft.com/office/drawing/2014/main" id="{240A0DF0-5686-A049-8194-F9C6A0B548A0}"/>
               </a:ext>
             </a:extLst>
           </p:cNvPr>
@@ -10315,7 +10315,7 @@
           <p:cNvPr id="9" name="Текст 2">
             <a:extLst>
               <a:ext uri="{FF2B5EF4-FFF2-40B4-BE49-F238E27FC236}">
-                <a16:creationId xmlns:a16="http://schemas.microsoft.com/office/drawing/2014/main" xmlns="" id="{DCA47866-DF59-C248-8DD9-3EA96B5D2F1D}"/>
+                <a16:creationId xmlns="" xmlns:a16="http://schemas.microsoft.com/office/drawing/2014/main" id="{DCA47866-DF59-C248-8DD9-3EA96B5D2F1D}"/>
               </a:ext>
             </a:extLst>
           </p:cNvPr>
@@ -10471,7 +10471,7 @@
           <p:cNvPr id="10" name="Текст 3">
             <a:extLst>
               <a:ext uri="{FF2B5EF4-FFF2-40B4-BE49-F238E27FC236}">
-                <a16:creationId xmlns:a16="http://schemas.microsoft.com/office/drawing/2014/main" xmlns="" id="{887191F8-B8A1-8346-B126-2126461718DD}"/>
+                <a16:creationId xmlns="" xmlns:a16="http://schemas.microsoft.com/office/drawing/2014/main" id="{887191F8-B8A1-8346-B126-2126461718DD}"/>
               </a:ext>
             </a:extLst>
           </p:cNvPr>
@@ -10685,7 +10685,7 @@
           <p:cNvPr id="11" name="Footer Placeholder 4">
             <a:extLst>
               <a:ext uri="{FF2B5EF4-FFF2-40B4-BE49-F238E27FC236}">
-                <a16:creationId xmlns:a16="http://schemas.microsoft.com/office/drawing/2014/main" xmlns="" id="{37BBC7DF-D873-E246-A3AC-A27D9B15554F}"/>
+                <a16:creationId xmlns="" xmlns:a16="http://schemas.microsoft.com/office/drawing/2014/main" id="{37BBC7DF-D873-E246-A3AC-A27D9B15554F}"/>
               </a:ext>
             </a:extLst>
           </p:cNvPr>
@@ -10730,7 +10730,7 @@
           <p:cNvPr id="12" name="Slide Number Placeholder 5">
             <a:extLst>
               <a:ext uri="{FF2B5EF4-FFF2-40B4-BE49-F238E27FC236}">
-                <a16:creationId xmlns:a16="http://schemas.microsoft.com/office/drawing/2014/main" xmlns="" id="{16478937-D477-5C45-B143-3DE5171376CE}"/>
+                <a16:creationId xmlns="" xmlns:a16="http://schemas.microsoft.com/office/drawing/2014/main" id="{16478937-D477-5C45-B143-3DE5171376CE}"/>
               </a:ext>
             </a:extLst>
           </p:cNvPr>
@@ -10777,7 +10777,7 @@
           <p:cNvPr id="14" name="Заголовок 3">
             <a:extLst>
               <a:ext uri="{FF2B5EF4-FFF2-40B4-BE49-F238E27FC236}">
-                <a16:creationId xmlns:a16="http://schemas.microsoft.com/office/drawing/2014/main" xmlns="" id="{92DE7455-C677-0147-BD3F-8159DEFAF589}"/>
+                <a16:creationId xmlns="" xmlns:a16="http://schemas.microsoft.com/office/drawing/2014/main" id="{92DE7455-C677-0147-BD3F-8159DEFAF589}"/>
               </a:ext>
             </a:extLst>
           </p:cNvPr>
@@ -10815,7 +10815,7 @@
           <p:cNvPr id="7" name="Текст 2">
             <a:extLst>
               <a:ext uri="{FF2B5EF4-FFF2-40B4-BE49-F238E27FC236}">
-                <a16:creationId xmlns:a16="http://schemas.microsoft.com/office/drawing/2014/main" xmlns="" id="{FD759DB2-5A2A-B441-923F-157EFDC160E4}"/>
+                <a16:creationId xmlns="" xmlns:a16="http://schemas.microsoft.com/office/drawing/2014/main" id="{FD759DB2-5A2A-B441-923F-157EFDC160E4}"/>
               </a:ext>
             </a:extLst>
           </p:cNvPr>
@@ -11004,7 +11004,7 @@
           <p:cNvPr id="8" name="Рисунок 2">
             <a:extLst>
               <a:ext uri="{FF2B5EF4-FFF2-40B4-BE49-F238E27FC236}">
-                <a16:creationId xmlns:a16="http://schemas.microsoft.com/office/drawing/2014/main" xmlns="" id="{F849F259-E97D-C24B-8BF0-C7DFA2E03D20}"/>
+                <a16:creationId xmlns="" xmlns:a16="http://schemas.microsoft.com/office/drawing/2014/main" id="{F849F259-E97D-C24B-8BF0-C7DFA2E03D20}"/>
               </a:ext>
             </a:extLst>
           </p:cNvPr>
@@ -11092,7 +11092,7 @@
           <p:cNvPr id="12" name="Footer Placeholder 4">
             <a:extLst>
               <a:ext uri="{FF2B5EF4-FFF2-40B4-BE49-F238E27FC236}">
-                <a16:creationId xmlns:a16="http://schemas.microsoft.com/office/drawing/2014/main" xmlns="" id="{CD2F2E9B-267A-D74E-BDE4-F0545E327CFC}"/>
+                <a16:creationId xmlns="" xmlns:a16="http://schemas.microsoft.com/office/drawing/2014/main" id="{CD2F2E9B-267A-D74E-BDE4-F0545E327CFC}"/>
               </a:ext>
             </a:extLst>
           </p:cNvPr>
@@ -11137,7 +11137,7 @@
           <p:cNvPr id="13" name="Slide Number Placeholder 5">
             <a:extLst>
               <a:ext uri="{FF2B5EF4-FFF2-40B4-BE49-F238E27FC236}">
-                <a16:creationId xmlns:a16="http://schemas.microsoft.com/office/drawing/2014/main" xmlns="" id="{CF10A1FE-E1CA-254D-BA86-1C6AB57259B8}"/>
+                <a16:creationId xmlns="" xmlns:a16="http://schemas.microsoft.com/office/drawing/2014/main" id="{CF10A1FE-E1CA-254D-BA86-1C6AB57259B8}"/>
               </a:ext>
             </a:extLst>
           </p:cNvPr>
@@ -11184,7 +11184,7 @@
           <p:cNvPr id="20" name="Заголовок 3">
             <a:extLst>
               <a:ext uri="{FF2B5EF4-FFF2-40B4-BE49-F238E27FC236}">
-                <a16:creationId xmlns:a16="http://schemas.microsoft.com/office/drawing/2014/main" xmlns="" id="{34013F25-78B4-4141-97A7-04B0123FC236}"/>
+                <a16:creationId xmlns="" xmlns:a16="http://schemas.microsoft.com/office/drawing/2014/main" id="{34013F25-78B4-4141-97A7-04B0123FC236}"/>
               </a:ext>
             </a:extLst>
           </p:cNvPr>
@@ -11222,7 +11222,7 @@
           <p:cNvPr id="11" name="Текст 3">
             <a:extLst>
               <a:ext uri="{FF2B5EF4-FFF2-40B4-BE49-F238E27FC236}">
-                <a16:creationId xmlns:a16="http://schemas.microsoft.com/office/drawing/2014/main" xmlns="" id="{1A719755-02DF-A443-B9A4-22DBA092A616}"/>
+                <a16:creationId xmlns="" xmlns:a16="http://schemas.microsoft.com/office/drawing/2014/main" id="{1A719755-02DF-A443-B9A4-22DBA092A616}"/>
               </a:ext>
             </a:extLst>
           </p:cNvPr>
@@ -11373,7 +11373,7 @@
           <p:cNvPr id="19" name="Текст 3">
             <a:extLst>
               <a:ext uri="{FF2B5EF4-FFF2-40B4-BE49-F238E27FC236}">
-                <a16:creationId xmlns:a16="http://schemas.microsoft.com/office/drawing/2014/main" xmlns="" id="{A25FAA23-D708-2F47-89EE-1506A238C167}"/>
+                <a16:creationId xmlns="" xmlns:a16="http://schemas.microsoft.com/office/drawing/2014/main" id="{A25FAA23-D708-2F47-89EE-1506A238C167}"/>
               </a:ext>
             </a:extLst>
           </p:cNvPr>
@@ -11524,7 +11524,7 @@
           <p:cNvPr id="21" name="Текст 3">
             <a:extLst>
               <a:ext uri="{FF2B5EF4-FFF2-40B4-BE49-F238E27FC236}">
-                <a16:creationId xmlns:a16="http://schemas.microsoft.com/office/drawing/2014/main" xmlns="" id="{D95AA5DD-8F39-D943-A674-08CB46760E9F}"/>
+                <a16:creationId xmlns="" xmlns:a16="http://schemas.microsoft.com/office/drawing/2014/main" id="{D95AA5DD-8F39-D943-A674-08CB46760E9F}"/>
               </a:ext>
             </a:extLst>
           </p:cNvPr>
@@ -11675,7 +11675,7 @@
           <p:cNvPr id="14" name="Рисунок 2">
             <a:extLst>
               <a:ext uri="{FF2B5EF4-FFF2-40B4-BE49-F238E27FC236}">
-                <a16:creationId xmlns:a16="http://schemas.microsoft.com/office/drawing/2014/main" xmlns="" id="{EE43F7BE-93A2-0043-BFDC-BB3FA2ACAB8D}"/>
+                <a16:creationId xmlns="" xmlns:a16="http://schemas.microsoft.com/office/drawing/2014/main" id="{EE43F7BE-93A2-0043-BFDC-BB3FA2ACAB8D}"/>
               </a:ext>
             </a:extLst>
           </p:cNvPr>
@@ -11733,7 +11733,7 @@
           <p:cNvPr id="17" name="Рисунок 2">
             <a:extLst>
               <a:ext uri="{FF2B5EF4-FFF2-40B4-BE49-F238E27FC236}">
-                <a16:creationId xmlns:a16="http://schemas.microsoft.com/office/drawing/2014/main" xmlns="" id="{B25CCFA3-8B97-5A40-AA50-87E8A13E339F}"/>
+                <a16:creationId xmlns="" xmlns:a16="http://schemas.microsoft.com/office/drawing/2014/main" id="{B25CCFA3-8B97-5A40-AA50-87E8A13E339F}"/>
               </a:ext>
             </a:extLst>
           </p:cNvPr>
@@ -11791,7 +11791,7 @@
           <p:cNvPr id="18" name="Рисунок 2">
             <a:extLst>
               <a:ext uri="{FF2B5EF4-FFF2-40B4-BE49-F238E27FC236}">
-                <a16:creationId xmlns:a16="http://schemas.microsoft.com/office/drawing/2014/main" xmlns="" id="{81A3FFD3-33D2-6043-8F3D-69D7A54B9743}"/>
+                <a16:creationId xmlns="" xmlns:a16="http://schemas.microsoft.com/office/drawing/2014/main" id="{81A3FFD3-33D2-6043-8F3D-69D7A54B9743}"/>
               </a:ext>
             </a:extLst>
           </p:cNvPr>
@@ -11879,7 +11879,7 @@
           <p:cNvPr id="14" name="Footer Placeholder 4">
             <a:extLst>
               <a:ext uri="{FF2B5EF4-FFF2-40B4-BE49-F238E27FC236}">
-                <a16:creationId xmlns:a16="http://schemas.microsoft.com/office/drawing/2014/main" xmlns="" id="{EBF8AC81-C369-C940-A083-BF9DDAA5A81C}"/>
+                <a16:creationId xmlns="" xmlns:a16="http://schemas.microsoft.com/office/drawing/2014/main" id="{EBF8AC81-C369-C940-A083-BF9DDAA5A81C}"/>
               </a:ext>
             </a:extLst>
           </p:cNvPr>
@@ -11924,7 +11924,7 @@
           <p:cNvPr id="16" name="Slide Number Placeholder 5">
             <a:extLst>
               <a:ext uri="{FF2B5EF4-FFF2-40B4-BE49-F238E27FC236}">
-                <a16:creationId xmlns:a16="http://schemas.microsoft.com/office/drawing/2014/main" xmlns="" id="{69DFE2CB-D51A-1145-BBC9-E6F46C48FE99}"/>
+                <a16:creationId xmlns="" xmlns:a16="http://schemas.microsoft.com/office/drawing/2014/main" id="{69DFE2CB-D51A-1145-BBC9-E6F46C48FE99}"/>
               </a:ext>
             </a:extLst>
           </p:cNvPr>
@@ -11971,7 +11971,7 @@
           <p:cNvPr id="25" name="Заголовок 3">
             <a:extLst>
               <a:ext uri="{FF2B5EF4-FFF2-40B4-BE49-F238E27FC236}">
-                <a16:creationId xmlns:a16="http://schemas.microsoft.com/office/drawing/2014/main" xmlns="" id="{73FABF5D-A3D2-774B-90FE-1A4AC11A0E9A}"/>
+                <a16:creationId xmlns="" xmlns:a16="http://schemas.microsoft.com/office/drawing/2014/main" id="{73FABF5D-A3D2-774B-90FE-1A4AC11A0E9A}"/>
               </a:ext>
             </a:extLst>
           </p:cNvPr>
@@ -12009,7 +12009,7 @@
           <p:cNvPr id="21" name="Текст 3">
             <a:extLst>
               <a:ext uri="{FF2B5EF4-FFF2-40B4-BE49-F238E27FC236}">
-                <a16:creationId xmlns:a16="http://schemas.microsoft.com/office/drawing/2014/main" xmlns="" id="{1BA67519-7FF6-6A4D-AA35-DD4676EF513D}"/>
+                <a16:creationId xmlns="" xmlns:a16="http://schemas.microsoft.com/office/drawing/2014/main" id="{1BA67519-7FF6-6A4D-AA35-DD4676EF513D}"/>
               </a:ext>
             </a:extLst>
           </p:cNvPr>
@@ -12160,7 +12160,7 @@
           <p:cNvPr id="29" name="Рисунок 2">
             <a:extLst>
               <a:ext uri="{FF2B5EF4-FFF2-40B4-BE49-F238E27FC236}">
-                <a16:creationId xmlns:a16="http://schemas.microsoft.com/office/drawing/2014/main" xmlns="" id="{07DEE891-3469-564C-B6BE-5FDA03A0E6D3}"/>
+                <a16:creationId xmlns="" xmlns:a16="http://schemas.microsoft.com/office/drawing/2014/main" id="{07DEE891-3469-564C-B6BE-5FDA03A0E6D3}"/>
               </a:ext>
             </a:extLst>
           </p:cNvPr>
@@ -12218,7 +12218,7 @@
           <p:cNvPr id="30" name="Текст 3">
             <a:extLst>
               <a:ext uri="{FF2B5EF4-FFF2-40B4-BE49-F238E27FC236}">
-                <a16:creationId xmlns:a16="http://schemas.microsoft.com/office/drawing/2014/main" xmlns="" id="{ACA28A7C-23D1-B048-AD02-4F2935C5527B}"/>
+                <a16:creationId xmlns="" xmlns:a16="http://schemas.microsoft.com/office/drawing/2014/main" id="{ACA28A7C-23D1-B048-AD02-4F2935C5527B}"/>
               </a:ext>
             </a:extLst>
           </p:cNvPr>
@@ -12369,7 +12369,7 @@
           <p:cNvPr id="31" name="Рисунок 2">
             <a:extLst>
               <a:ext uri="{FF2B5EF4-FFF2-40B4-BE49-F238E27FC236}">
-                <a16:creationId xmlns:a16="http://schemas.microsoft.com/office/drawing/2014/main" xmlns="" id="{0A210F1D-744E-964A-ACF1-3D683FC6F0F9}"/>
+                <a16:creationId xmlns="" xmlns:a16="http://schemas.microsoft.com/office/drawing/2014/main" id="{0A210F1D-744E-964A-ACF1-3D683FC6F0F9}"/>
               </a:ext>
             </a:extLst>
           </p:cNvPr>
@@ -12427,7 +12427,7 @@
           <p:cNvPr id="32" name="Текст 3">
             <a:extLst>
               <a:ext uri="{FF2B5EF4-FFF2-40B4-BE49-F238E27FC236}">
-                <a16:creationId xmlns:a16="http://schemas.microsoft.com/office/drawing/2014/main" xmlns="" id="{EA6FB9E2-4FC7-DB4A-BBC2-2B19A7FDB3CC}"/>
+                <a16:creationId xmlns="" xmlns:a16="http://schemas.microsoft.com/office/drawing/2014/main" id="{EA6FB9E2-4FC7-DB4A-BBC2-2B19A7FDB3CC}"/>
               </a:ext>
             </a:extLst>
           </p:cNvPr>
@@ -12578,7 +12578,7 @@
           <p:cNvPr id="33" name="Рисунок 2">
             <a:extLst>
               <a:ext uri="{FF2B5EF4-FFF2-40B4-BE49-F238E27FC236}">
-                <a16:creationId xmlns:a16="http://schemas.microsoft.com/office/drawing/2014/main" xmlns="" id="{88F39D33-7ADF-ED46-BCC5-341882E6AF47}"/>
+                <a16:creationId xmlns="" xmlns:a16="http://schemas.microsoft.com/office/drawing/2014/main" id="{88F39D33-7ADF-ED46-BCC5-341882E6AF47}"/>
               </a:ext>
             </a:extLst>
           </p:cNvPr>
@@ -12636,7 +12636,7 @@
           <p:cNvPr id="34" name="Текст 3">
             <a:extLst>
               <a:ext uri="{FF2B5EF4-FFF2-40B4-BE49-F238E27FC236}">
-                <a16:creationId xmlns:a16="http://schemas.microsoft.com/office/drawing/2014/main" xmlns="" id="{21FFDC78-F317-FC4E-B13A-8E21382D5F4F}"/>
+                <a16:creationId xmlns="" xmlns:a16="http://schemas.microsoft.com/office/drawing/2014/main" id="{21FFDC78-F317-FC4E-B13A-8E21382D5F4F}"/>
               </a:ext>
             </a:extLst>
           </p:cNvPr>
@@ -12787,7 +12787,7 @@
           <p:cNvPr id="35" name="Рисунок 2">
             <a:extLst>
               <a:ext uri="{FF2B5EF4-FFF2-40B4-BE49-F238E27FC236}">
-                <a16:creationId xmlns:a16="http://schemas.microsoft.com/office/drawing/2014/main" xmlns="" id="{8F1AE6B9-5E2B-C046-9C13-7810851DDB22}"/>
+                <a16:creationId xmlns="" xmlns:a16="http://schemas.microsoft.com/office/drawing/2014/main" id="{8F1AE6B9-5E2B-C046-9C13-7810851DDB22}"/>
               </a:ext>
             </a:extLst>
           </p:cNvPr>
@@ -12875,7 +12875,7 @@
           <p:cNvPr id="21" name="Footer Placeholder 4">
             <a:extLst>
               <a:ext uri="{FF2B5EF4-FFF2-40B4-BE49-F238E27FC236}">
-                <a16:creationId xmlns:a16="http://schemas.microsoft.com/office/drawing/2014/main" xmlns="" id="{05880279-9E00-5746-BEDF-976B37296134}"/>
+                <a16:creationId xmlns="" xmlns:a16="http://schemas.microsoft.com/office/drawing/2014/main" id="{05880279-9E00-5746-BEDF-976B37296134}"/>
               </a:ext>
             </a:extLst>
           </p:cNvPr>
@@ -12920,7 +12920,7 @@
           <p:cNvPr id="27" name="Slide Number Placeholder 5">
             <a:extLst>
               <a:ext uri="{FF2B5EF4-FFF2-40B4-BE49-F238E27FC236}">
-                <a16:creationId xmlns:a16="http://schemas.microsoft.com/office/drawing/2014/main" xmlns="" id="{223FA0BE-FCB1-DD41-9AFE-6B2C787FB1F7}"/>
+                <a16:creationId xmlns="" xmlns:a16="http://schemas.microsoft.com/office/drawing/2014/main" id="{223FA0BE-FCB1-DD41-9AFE-6B2C787FB1F7}"/>
               </a:ext>
             </a:extLst>
           </p:cNvPr>
@@ -12967,7 +12967,7 @@
           <p:cNvPr id="30" name="Заголовок 3">
             <a:extLst>
               <a:ext uri="{FF2B5EF4-FFF2-40B4-BE49-F238E27FC236}">
-                <a16:creationId xmlns:a16="http://schemas.microsoft.com/office/drawing/2014/main" xmlns="" id="{F0125504-5AC3-DA40-B8E8-E1DAF443D779}"/>
+                <a16:creationId xmlns="" xmlns:a16="http://schemas.microsoft.com/office/drawing/2014/main" id="{F0125504-5AC3-DA40-B8E8-E1DAF443D779}"/>
               </a:ext>
             </a:extLst>
           </p:cNvPr>
@@ -13005,7 +13005,7 @@
           <p:cNvPr id="28" name="Рисунок 2">
             <a:extLst>
               <a:ext uri="{FF2B5EF4-FFF2-40B4-BE49-F238E27FC236}">
-                <a16:creationId xmlns:a16="http://schemas.microsoft.com/office/drawing/2014/main" xmlns="" id="{C5FF8DA1-67B6-6442-A9F0-752AD164517D}"/>
+                <a16:creationId xmlns="" xmlns:a16="http://schemas.microsoft.com/office/drawing/2014/main" id="{C5FF8DA1-67B6-6442-A9F0-752AD164517D}"/>
               </a:ext>
             </a:extLst>
           </p:cNvPr>
@@ -13063,7 +13063,7 @@
           <p:cNvPr id="31" name="Текст 3">
             <a:extLst>
               <a:ext uri="{FF2B5EF4-FFF2-40B4-BE49-F238E27FC236}">
-                <a16:creationId xmlns:a16="http://schemas.microsoft.com/office/drawing/2014/main" xmlns="" id="{B711B0C0-FDBC-FC48-87F0-86BD38D7C931}"/>
+                <a16:creationId xmlns="" xmlns:a16="http://schemas.microsoft.com/office/drawing/2014/main" id="{B711B0C0-FDBC-FC48-87F0-86BD38D7C931}"/>
               </a:ext>
             </a:extLst>
           </p:cNvPr>
@@ -13214,7 +13214,7 @@
           <p:cNvPr id="33" name="Рисунок 2">
             <a:extLst>
               <a:ext uri="{FF2B5EF4-FFF2-40B4-BE49-F238E27FC236}">
-                <a16:creationId xmlns:a16="http://schemas.microsoft.com/office/drawing/2014/main" xmlns="" id="{CEA5D801-8EAB-2940-8172-8C230088CE8D}"/>
+                <a16:creationId xmlns="" xmlns:a16="http://schemas.microsoft.com/office/drawing/2014/main" id="{CEA5D801-8EAB-2940-8172-8C230088CE8D}"/>
               </a:ext>
             </a:extLst>
           </p:cNvPr>
@@ -13272,7 +13272,7 @@
           <p:cNvPr id="35" name="Рисунок 2">
             <a:extLst>
               <a:ext uri="{FF2B5EF4-FFF2-40B4-BE49-F238E27FC236}">
-                <a16:creationId xmlns:a16="http://schemas.microsoft.com/office/drawing/2014/main" xmlns="" id="{295BD79E-FE02-FB47-89A7-EB7F457532CF}"/>
+                <a16:creationId xmlns="" xmlns:a16="http://schemas.microsoft.com/office/drawing/2014/main" id="{295BD79E-FE02-FB47-89A7-EB7F457532CF}"/>
               </a:ext>
             </a:extLst>
           </p:cNvPr>
@@ -13330,7 +13330,7 @@
           <p:cNvPr id="37" name="Рисунок 2">
             <a:extLst>
               <a:ext uri="{FF2B5EF4-FFF2-40B4-BE49-F238E27FC236}">
-                <a16:creationId xmlns:a16="http://schemas.microsoft.com/office/drawing/2014/main" xmlns="" id="{3964D1A7-A05F-EC41-8983-D16EAA3DD07E}"/>
+                <a16:creationId xmlns="" xmlns:a16="http://schemas.microsoft.com/office/drawing/2014/main" id="{3964D1A7-A05F-EC41-8983-D16EAA3DD07E}"/>
               </a:ext>
             </a:extLst>
           </p:cNvPr>
@@ -13388,7 +13388,7 @@
           <p:cNvPr id="39" name="Рисунок 2">
             <a:extLst>
               <a:ext uri="{FF2B5EF4-FFF2-40B4-BE49-F238E27FC236}">
-                <a16:creationId xmlns:a16="http://schemas.microsoft.com/office/drawing/2014/main" xmlns="" id="{8085B9D2-B6D5-824B-B850-56C7D8D7E1C9}"/>
+                <a16:creationId xmlns="" xmlns:a16="http://schemas.microsoft.com/office/drawing/2014/main" id="{8085B9D2-B6D5-824B-B850-56C7D8D7E1C9}"/>
               </a:ext>
             </a:extLst>
           </p:cNvPr>
@@ -13446,7 +13446,7 @@
           <p:cNvPr id="40" name="Текст 3">
             <a:extLst>
               <a:ext uri="{FF2B5EF4-FFF2-40B4-BE49-F238E27FC236}">
-                <a16:creationId xmlns:a16="http://schemas.microsoft.com/office/drawing/2014/main" xmlns="" id="{0EDA15CB-9243-E347-BA03-78B7EC321579}"/>
+                <a16:creationId xmlns="" xmlns:a16="http://schemas.microsoft.com/office/drawing/2014/main" id="{0EDA15CB-9243-E347-BA03-78B7EC321579}"/>
               </a:ext>
             </a:extLst>
           </p:cNvPr>
@@ -13597,7 +13597,7 @@
           <p:cNvPr id="41" name="Текст 3">
             <a:extLst>
               <a:ext uri="{FF2B5EF4-FFF2-40B4-BE49-F238E27FC236}">
-                <a16:creationId xmlns:a16="http://schemas.microsoft.com/office/drawing/2014/main" xmlns="" id="{3F43B244-32A0-CA42-BF7C-1B7642AEC78B}"/>
+                <a16:creationId xmlns="" xmlns:a16="http://schemas.microsoft.com/office/drawing/2014/main" id="{3F43B244-32A0-CA42-BF7C-1B7642AEC78B}"/>
               </a:ext>
             </a:extLst>
           </p:cNvPr>
@@ -13748,7 +13748,7 @@
           <p:cNvPr id="42" name="Текст 3">
             <a:extLst>
               <a:ext uri="{FF2B5EF4-FFF2-40B4-BE49-F238E27FC236}">
-                <a16:creationId xmlns:a16="http://schemas.microsoft.com/office/drawing/2014/main" xmlns="" id="{A19F0E9B-AF51-5A4B-931E-7C089D8E9042}"/>
+                <a16:creationId xmlns="" xmlns:a16="http://schemas.microsoft.com/office/drawing/2014/main" id="{A19F0E9B-AF51-5A4B-931E-7C089D8E9042}"/>
               </a:ext>
             </a:extLst>
           </p:cNvPr>
@@ -13899,7 +13899,7 @@
           <p:cNvPr id="43" name="Текст 3">
             <a:extLst>
               <a:ext uri="{FF2B5EF4-FFF2-40B4-BE49-F238E27FC236}">
-                <a16:creationId xmlns:a16="http://schemas.microsoft.com/office/drawing/2014/main" xmlns="" id="{FE03F3F4-9505-9447-B902-4F8D7509E515}"/>
+                <a16:creationId xmlns="" xmlns:a16="http://schemas.microsoft.com/office/drawing/2014/main" id="{FE03F3F4-9505-9447-B902-4F8D7509E515}"/>
               </a:ext>
             </a:extLst>
           </p:cNvPr>
@@ -14166,7 +14166,7 @@
           <p:cNvPr id="15" name="Title 1">
             <a:extLst>
               <a:ext uri="{FF2B5EF4-FFF2-40B4-BE49-F238E27FC236}">
-                <a16:creationId xmlns:a16="http://schemas.microsoft.com/office/drawing/2014/main" xmlns="" id="{6D50639F-F59F-B746-A68D-63C278D476F6}"/>
+                <a16:creationId xmlns="" xmlns:a16="http://schemas.microsoft.com/office/drawing/2014/main" id="{6D50639F-F59F-B746-A68D-63C278D476F6}"/>
               </a:ext>
             </a:extLst>
           </p:cNvPr>
@@ -14222,7 +14222,7 @@
           <p:cNvPr id="33" name="Изображение 6">
             <a:extLst>
               <a:ext uri="{FF2B5EF4-FFF2-40B4-BE49-F238E27FC236}">
-                <a16:creationId xmlns:a16="http://schemas.microsoft.com/office/drawing/2014/main" xmlns="" id="{6AD2487E-ADA1-114F-B592-8318F05832DC}"/>
+                <a16:creationId xmlns="" xmlns:a16="http://schemas.microsoft.com/office/drawing/2014/main" id="{6AD2487E-ADA1-114F-B592-8318F05832DC}"/>
               </a:ext>
             </a:extLst>
           </p:cNvPr>
@@ -14252,7 +14252,7 @@
           <p:cNvPr id="34" name="Рисунок 7">
             <a:extLst>
               <a:ext uri="{FF2B5EF4-FFF2-40B4-BE49-F238E27FC236}">
-                <a16:creationId xmlns:a16="http://schemas.microsoft.com/office/drawing/2014/main" xmlns="" id="{79352FF1-22B2-114D-B504-DB00F440C2D8}"/>
+                <a16:creationId xmlns="" xmlns:a16="http://schemas.microsoft.com/office/drawing/2014/main" id="{79352FF1-22B2-114D-B504-DB00F440C2D8}"/>
               </a:ext>
             </a:extLst>
           </p:cNvPr>
@@ -14297,7 +14297,7 @@
           <p:cNvPr id="35" name="Рисунок 9">
             <a:extLst>
               <a:ext uri="{FF2B5EF4-FFF2-40B4-BE49-F238E27FC236}">
-                <a16:creationId xmlns:a16="http://schemas.microsoft.com/office/drawing/2014/main" xmlns="" id="{48D1D383-E3AC-5F4C-BB7C-F076B9B83EE1}"/>
+                <a16:creationId xmlns="" xmlns:a16="http://schemas.microsoft.com/office/drawing/2014/main" id="{48D1D383-E3AC-5F4C-BB7C-F076B9B83EE1}"/>
               </a:ext>
             </a:extLst>
           </p:cNvPr>
@@ -14397,7 +14397,7 @@
           <p:cNvPr id="12" name="Footer Placeholder 4">
             <a:extLst>
               <a:ext uri="{FF2B5EF4-FFF2-40B4-BE49-F238E27FC236}">
-                <a16:creationId xmlns:a16="http://schemas.microsoft.com/office/drawing/2014/main" xmlns="" id="{DD2FEAE7-7057-4449-B93D-8877B3B3B6CE}"/>
+                <a16:creationId xmlns="" xmlns:a16="http://schemas.microsoft.com/office/drawing/2014/main" id="{DD2FEAE7-7057-4449-B93D-8877B3B3B6CE}"/>
               </a:ext>
             </a:extLst>
           </p:cNvPr>
@@ -14442,7 +14442,7 @@
           <p:cNvPr id="13" name="Slide Number Placeholder 5">
             <a:extLst>
               <a:ext uri="{FF2B5EF4-FFF2-40B4-BE49-F238E27FC236}">
-                <a16:creationId xmlns:a16="http://schemas.microsoft.com/office/drawing/2014/main" xmlns="" id="{2D12129F-1D47-254A-89F8-DC26161B87E2}"/>
+                <a16:creationId xmlns="" xmlns:a16="http://schemas.microsoft.com/office/drawing/2014/main" id="{2D12129F-1D47-254A-89F8-DC26161B87E2}"/>
               </a:ext>
             </a:extLst>
           </p:cNvPr>
@@ -14489,7 +14489,7 @@
           <p:cNvPr id="14" name="Заголовок 3">
             <a:extLst>
               <a:ext uri="{FF2B5EF4-FFF2-40B4-BE49-F238E27FC236}">
-                <a16:creationId xmlns:a16="http://schemas.microsoft.com/office/drawing/2014/main" xmlns="" id="{FFF6938D-3112-4D42-A9E5-13EC2B15E1A3}"/>
+                <a16:creationId xmlns="" xmlns:a16="http://schemas.microsoft.com/office/drawing/2014/main" id="{FFF6938D-3112-4D42-A9E5-13EC2B15E1A3}"/>
               </a:ext>
             </a:extLst>
           </p:cNvPr>
@@ -14527,7 +14527,7 @@
           <p:cNvPr id="3" name="Рисунок 2">
             <a:extLst>
               <a:ext uri="{FF2B5EF4-FFF2-40B4-BE49-F238E27FC236}">
-                <a16:creationId xmlns:a16="http://schemas.microsoft.com/office/drawing/2014/main" xmlns="" id="{B6C91E51-60DC-9F4C-BC54-EE9BDB13F6D2}"/>
+                <a16:creationId xmlns="" xmlns:a16="http://schemas.microsoft.com/office/drawing/2014/main" id="{B6C91E51-60DC-9F4C-BC54-EE9BDB13F6D2}"/>
               </a:ext>
             </a:extLst>
           </p:cNvPr>
@@ -14578,7 +14578,7 @@
           <p:cNvPr id="8" name="Текст 3">
             <a:extLst>
               <a:ext uri="{FF2B5EF4-FFF2-40B4-BE49-F238E27FC236}">
-                <a16:creationId xmlns:a16="http://schemas.microsoft.com/office/drawing/2014/main" xmlns="" id="{021A6DA9-00F7-2E4D-A607-2B4774BAD0CA}"/>
+                <a16:creationId xmlns="" xmlns:a16="http://schemas.microsoft.com/office/drawing/2014/main" id="{021A6DA9-00F7-2E4D-A607-2B4774BAD0CA}"/>
               </a:ext>
             </a:extLst>
           </p:cNvPr>
@@ -15039,7 +15039,7 @@
           <p:cNvPr id="12" name="Footer Placeholder 4">
             <a:extLst>
               <a:ext uri="{FF2B5EF4-FFF2-40B4-BE49-F238E27FC236}">
-                <a16:creationId xmlns:a16="http://schemas.microsoft.com/office/drawing/2014/main" xmlns="" id="{DD2FEAE7-7057-4449-B93D-8877B3B3B6CE}"/>
+                <a16:creationId xmlns="" xmlns:a16="http://schemas.microsoft.com/office/drawing/2014/main" id="{DD2FEAE7-7057-4449-B93D-8877B3B3B6CE}"/>
               </a:ext>
             </a:extLst>
           </p:cNvPr>
@@ -15084,7 +15084,7 @@
           <p:cNvPr id="13" name="Slide Number Placeholder 5">
             <a:extLst>
               <a:ext uri="{FF2B5EF4-FFF2-40B4-BE49-F238E27FC236}">
-                <a16:creationId xmlns:a16="http://schemas.microsoft.com/office/drawing/2014/main" xmlns="" id="{2D12129F-1D47-254A-89F8-DC26161B87E2}"/>
+                <a16:creationId xmlns="" xmlns:a16="http://schemas.microsoft.com/office/drawing/2014/main" id="{2D12129F-1D47-254A-89F8-DC26161B87E2}"/>
               </a:ext>
             </a:extLst>
           </p:cNvPr>
@@ -15131,7 +15131,7 @@
           <p:cNvPr id="14" name="Заголовок 3">
             <a:extLst>
               <a:ext uri="{FF2B5EF4-FFF2-40B4-BE49-F238E27FC236}">
-                <a16:creationId xmlns:a16="http://schemas.microsoft.com/office/drawing/2014/main" xmlns="" id="{FFF6938D-3112-4D42-A9E5-13EC2B15E1A3}"/>
+                <a16:creationId xmlns="" xmlns:a16="http://schemas.microsoft.com/office/drawing/2014/main" id="{FFF6938D-3112-4D42-A9E5-13EC2B15E1A3}"/>
               </a:ext>
             </a:extLst>
           </p:cNvPr>
@@ -15169,7 +15169,7 @@
           <p:cNvPr id="3" name="Рисунок 2">
             <a:extLst>
               <a:ext uri="{FF2B5EF4-FFF2-40B4-BE49-F238E27FC236}">
-                <a16:creationId xmlns:a16="http://schemas.microsoft.com/office/drawing/2014/main" xmlns="" id="{B6C91E51-60DC-9F4C-BC54-EE9BDB13F6D2}"/>
+                <a16:creationId xmlns="" xmlns:a16="http://schemas.microsoft.com/office/drawing/2014/main" id="{B6C91E51-60DC-9F4C-BC54-EE9BDB13F6D2}"/>
               </a:ext>
             </a:extLst>
           </p:cNvPr>
@@ -15220,7 +15220,7 @@
           <p:cNvPr id="8" name="Текст 3">
             <a:extLst>
               <a:ext uri="{FF2B5EF4-FFF2-40B4-BE49-F238E27FC236}">
-                <a16:creationId xmlns:a16="http://schemas.microsoft.com/office/drawing/2014/main" xmlns="" id="{3759D08E-DECD-BB4C-87C7-900B554BF87B}"/>
+                <a16:creationId xmlns="" xmlns:a16="http://schemas.microsoft.com/office/drawing/2014/main" id="{3759D08E-DECD-BB4C-87C7-900B554BF87B}"/>
               </a:ext>
             </a:extLst>
           </p:cNvPr>
@@ -15681,7 +15681,7 @@
           <p:cNvPr id="12" name="Footer Placeholder 4">
             <a:extLst>
               <a:ext uri="{FF2B5EF4-FFF2-40B4-BE49-F238E27FC236}">
-                <a16:creationId xmlns:a16="http://schemas.microsoft.com/office/drawing/2014/main" xmlns="" id="{DD2FEAE7-7057-4449-B93D-8877B3B3B6CE}"/>
+                <a16:creationId xmlns="" xmlns:a16="http://schemas.microsoft.com/office/drawing/2014/main" id="{DD2FEAE7-7057-4449-B93D-8877B3B3B6CE}"/>
               </a:ext>
             </a:extLst>
           </p:cNvPr>
@@ -15726,7 +15726,7 @@
           <p:cNvPr id="13" name="Slide Number Placeholder 5">
             <a:extLst>
               <a:ext uri="{FF2B5EF4-FFF2-40B4-BE49-F238E27FC236}">
-                <a16:creationId xmlns:a16="http://schemas.microsoft.com/office/drawing/2014/main" xmlns="" id="{2D12129F-1D47-254A-89F8-DC26161B87E2}"/>
+                <a16:creationId xmlns="" xmlns:a16="http://schemas.microsoft.com/office/drawing/2014/main" id="{2D12129F-1D47-254A-89F8-DC26161B87E2}"/>
               </a:ext>
             </a:extLst>
           </p:cNvPr>
@@ -15773,7 +15773,7 @@
           <p:cNvPr id="14" name="Заголовок 3">
             <a:extLst>
               <a:ext uri="{FF2B5EF4-FFF2-40B4-BE49-F238E27FC236}">
-                <a16:creationId xmlns:a16="http://schemas.microsoft.com/office/drawing/2014/main" xmlns="" id="{FFF6938D-3112-4D42-A9E5-13EC2B15E1A3}"/>
+                <a16:creationId xmlns="" xmlns:a16="http://schemas.microsoft.com/office/drawing/2014/main" id="{FFF6938D-3112-4D42-A9E5-13EC2B15E1A3}"/>
               </a:ext>
             </a:extLst>
           </p:cNvPr>
@@ -15811,7 +15811,7 @@
           <p:cNvPr id="8" name="Рисунок 2">
             <a:extLst>
               <a:ext uri="{FF2B5EF4-FFF2-40B4-BE49-F238E27FC236}">
-                <a16:creationId xmlns:a16="http://schemas.microsoft.com/office/drawing/2014/main" xmlns="" id="{51D18458-3918-4B43-83CC-BE9872AE628A}"/>
+                <a16:creationId xmlns="" xmlns:a16="http://schemas.microsoft.com/office/drawing/2014/main" id="{51D18458-3918-4B43-83CC-BE9872AE628A}"/>
               </a:ext>
             </a:extLst>
           </p:cNvPr>
@@ -15863,7 +15863,7 @@
           <p:cNvPr id="9" name="Текст 3">
             <a:extLst>
               <a:ext uri="{FF2B5EF4-FFF2-40B4-BE49-F238E27FC236}">
-                <a16:creationId xmlns:a16="http://schemas.microsoft.com/office/drawing/2014/main" xmlns="" id="{DBE36696-F982-B440-93D7-FD7AE182786A}"/>
+                <a16:creationId xmlns="" xmlns:a16="http://schemas.microsoft.com/office/drawing/2014/main" id="{DBE36696-F982-B440-93D7-FD7AE182786A}"/>
               </a:ext>
             </a:extLst>
           </p:cNvPr>
@@ -16324,7 +16324,7 @@
           <p:cNvPr id="12" name="Footer Placeholder 4">
             <a:extLst>
               <a:ext uri="{FF2B5EF4-FFF2-40B4-BE49-F238E27FC236}">
-                <a16:creationId xmlns:a16="http://schemas.microsoft.com/office/drawing/2014/main" xmlns="" id="{DD2FEAE7-7057-4449-B93D-8877B3B3B6CE}"/>
+                <a16:creationId xmlns="" xmlns:a16="http://schemas.microsoft.com/office/drawing/2014/main" id="{DD2FEAE7-7057-4449-B93D-8877B3B3B6CE}"/>
               </a:ext>
             </a:extLst>
           </p:cNvPr>
@@ -16369,7 +16369,7 @@
           <p:cNvPr id="13" name="Slide Number Placeholder 5">
             <a:extLst>
               <a:ext uri="{FF2B5EF4-FFF2-40B4-BE49-F238E27FC236}">
-                <a16:creationId xmlns:a16="http://schemas.microsoft.com/office/drawing/2014/main" xmlns="" id="{2D12129F-1D47-254A-89F8-DC26161B87E2}"/>
+                <a16:creationId xmlns="" xmlns:a16="http://schemas.microsoft.com/office/drawing/2014/main" id="{2D12129F-1D47-254A-89F8-DC26161B87E2}"/>
               </a:ext>
             </a:extLst>
           </p:cNvPr>
@@ -16416,7 +16416,7 @@
           <p:cNvPr id="14" name="Заголовок 3">
             <a:extLst>
               <a:ext uri="{FF2B5EF4-FFF2-40B4-BE49-F238E27FC236}">
-                <a16:creationId xmlns:a16="http://schemas.microsoft.com/office/drawing/2014/main" xmlns="" id="{FFF6938D-3112-4D42-A9E5-13EC2B15E1A3}"/>
+                <a16:creationId xmlns="" xmlns:a16="http://schemas.microsoft.com/office/drawing/2014/main" id="{FFF6938D-3112-4D42-A9E5-13EC2B15E1A3}"/>
               </a:ext>
             </a:extLst>
           </p:cNvPr>
@@ -16454,7 +16454,7 @@
           <p:cNvPr id="8" name="Рисунок 2">
             <a:extLst>
               <a:ext uri="{FF2B5EF4-FFF2-40B4-BE49-F238E27FC236}">
-                <a16:creationId xmlns:a16="http://schemas.microsoft.com/office/drawing/2014/main" xmlns="" id="{51D18458-3918-4B43-83CC-BE9872AE628A}"/>
+                <a16:creationId xmlns="" xmlns:a16="http://schemas.microsoft.com/office/drawing/2014/main" id="{51D18458-3918-4B43-83CC-BE9872AE628A}"/>
               </a:ext>
             </a:extLst>
           </p:cNvPr>
@@ -16516,7 +16516,7 @@
           <p:cNvPr id="9" name="Текст 3">
             <a:extLst>
               <a:ext uri="{FF2B5EF4-FFF2-40B4-BE49-F238E27FC236}">
-                <a16:creationId xmlns:a16="http://schemas.microsoft.com/office/drawing/2014/main" xmlns="" id="{1E07366D-205F-E342-9442-335AF82B0731}"/>
+                <a16:creationId xmlns="" xmlns:a16="http://schemas.microsoft.com/office/drawing/2014/main" id="{1E07366D-205F-E342-9442-335AF82B0731}"/>
               </a:ext>
             </a:extLst>
           </p:cNvPr>
@@ -16977,7 +16977,7 @@
           <p:cNvPr id="12" name="Footer Placeholder 4">
             <a:extLst>
               <a:ext uri="{FF2B5EF4-FFF2-40B4-BE49-F238E27FC236}">
-                <a16:creationId xmlns:a16="http://schemas.microsoft.com/office/drawing/2014/main" xmlns="" id="{DD2FEAE7-7057-4449-B93D-8877B3B3B6CE}"/>
+                <a16:creationId xmlns="" xmlns:a16="http://schemas.microsoft.com/office/drawing/2014/main" id="{DD2FEAE7-7057-4449-B93D-8877B3B3B6CE}"/>
               </a:ext>
             </a:extLst>
           </p:cNvPr>
@@ -17022,7 +17022,7 @@
           <p:cNvPr id="13" name="Slide Number Placeholder 5">
             <a:extLst>
               <a:ext uri="{FF2B5EF4-FFF2-40B4-BE49-F238E27FC236}">
-                <a16:creationId xmlns:a16="http://schemas.microsoft.com/office/drawing/2014/main" xmlns="" id="{2D12129F-1D47-254A-89F8-DC26161B87E2}"/>
+                <a16:creationId xmlns="" xmlns:a16="http://schemas.microsoft.com/office/drawing/2014/main" id="{2D12129F-1D47-254A-89F8-DC26161B87E2}"/>
               </a:ext>
             </a:extLst>
           </p:cNvPr>
@@ -17069,7 +17069,7 @@
           <p:cNvPr id="14" name="Заголовок 3">
             <a:extLst>
               <a:ext uri="{FF2B5EF4-FFF2-40B4-BE49-F238E27FC236}">
-                <a16:creationId xmlns:a16="http://schemas.microsoft.com/office/drawing/2014/main" xmlns="" id="{FFF6938D-3112-4D42-A9E5-13EC2B15E1A3}"/>
+                <a16:creationId xmlns="" xmlns:a16="http://schemas.microsoft.com/office/drawing/2014/main" id="{FFF6938D-3112-4D42-A9E5-13EC2B15E1A3}"/>
               </a:ext>
             </a:extLst>
           </p:cNvPr>
@@ -17107,7 +17107,7 @@
           <p:cNvPr id="8" name="Рисунок 2">
             <a:extLst>
               <a:ext uri="{FF2B5EF4-FFF2-40B4-BE49-F238E27FC236}">
-                <a16:creationId xmlns:a16="http://schemas.microsoft.com/office/drawing/2014/main" xmlns="" id="{51D18458-3918-4B43-83CC-BE9872AE628A}"/>
+                <a16:creationId xmlns="" xmlns:a16="http://schemas.microsoft.com/office/drawing/2014/main" id="{51D18458-3918-4B43-83CC-BE9872AE628A}"/>
               </a:ext>
             </a:extLst>
           </p:cNvPr>
@@ -17188,7 +17188,7 @@
           <p:cNvPr id="12" name="Footer Placeholder 4">
             <a:extLst>
               <a:ext uri="{FF2B5EF4-FFF2-40B4-BE49-F238E27FC236}">
-                <a16:creationId xmlns:a16="http://schemas.microsoft.com/office/drawing/2014/main" xmlns="" id="{DD2FEAE7-7057-4449-B93D-8877B3B3B6CE}"/>
+                <a16:creationId xmlns="" xmlns:a16="http://schemas.microsoft.com/office/drawing/2014/main" id="{DD2FEAE7-7057-4449-B93D-8877B3B3B6CE}"/>
               </a:ext>
             </a:extLst>
           </p:cNvPr>
@@ -17233,7 +17233,7 @@
           <p:cNvPr id="13" name="Slide Number Placeholder 5">
             <a:extLst>
               <a:ext uri="{FF2B5EF4-FFF2-40B4-BE49-F238E27FC236}">
-                <a16:creationId xmlns:a16="http://schemas.microsoft.com/office/drawing/2014/main" xmlns="" id="{2D12129F-1D47-254A-89F8-DC26161B87E2}"/>
+                <a16:creationId xmlns="" xmlns:a16="http://schemas.microsoft.com/office/drawing/2014/main" id="{2D12129F-1D47-254A-89F8-DC26161B87E2}"/>
               </a:ext>
             </a:extLst>
           </p:cNvPr>
@@ -17280,7 +17280,7 @@
           <p:cNvPr id="14" name="Заголовок 3">
             <a:extLst>
               <a:ext uri="{FF2B5EF4-FFF2-40B4-BE49-F238E27FC236}">
-                <a16:creationId xmlns:a16="http://schemas.microsoft.com/office/drawing/2014/main" xmlns="" id="{FFF6938D-3112-4D42-A9E5-13EC2B15E1A3}"/>
+                <a16:creationId xmlns="" xmlns:a16="http://schemas.microsoft.com/office/drawing/2014/main" id="{FFF6938D-3112-4D42-A9E5-13EC2B15E1A3}"/>
               </a:ext>
             </a:extLst>
           </p:cNvPr>
@@ -17318,7 +17318,7 @@
           <p:cNvPr id="8" name="Рисунок 2">
             <a:extLst>
               <a:ext uri="{FF2B5EF4-FFF2-40B4-BE49-F238E27FC236}">
-                <a16:creationId xmlns:a16="http://schemas.microsoft.com/office/drawing/2014/main" xmlns="" id="{51D18458-3918-4B43-83CC-BE9872AE628A}"/>
+                <a16:creationId xmlns="" xmlns:a16="http://schemas.microsoft.com/office/drawing/2014/main" id="{51D18458-3918-4B43-83CC-BE9872AE628A}"/>
               </a:ext>
             </a:extLst>
           </p:cNvPr>
@@ -17376,7 +17376,7 @@
           <p:cNvPr id="6" name="Рисунок 2">
             <a:extLst>
               <a:ext uri="{FF2B5EF4-FFF2-40B4-BE49-F238E27FC236}">
-                <a16:creationId xmlns:a16="http://schemas.microsoft.com/office/drawing/2014/main" xmlns="" id="{4D80212A-4362-B54E-94D4-393F5D1CB613}"/>
+                <a16:creationId xmlns="" xmlns:a16="http://schemas.microsoft.com/office/drawing/2014/main" id="{4D80212A-4362-B54E-94D4-393F5D1CB613}"/>
               </a:ext>
             </a:extLst>
           </p:cNvPr>
@@ -17464,7 +17464,7 @@
           <p:cNvPr id="12" name="Footer Placeholder 4">
             <a:extLst>
               <a:ext uri="{FF2B5EF4-FFF2-40B4-BE49-F238E27FC236}">
-                <a16:creationId xmlns:a16="http://schemas.microsoft.com/office/drawing/2014/main" xmlns="" id="{DD2FEAE7-7057-4449-B93D-8877B3B3B6CE}"/>
+                <a16:creationId xmlns="" xmlns:a16="http://schemas.microsoft.com/office/drawing/2014/main" id="{DD2FEAE7-7057-4449-B93D-8877B3B3B6CE}"/>
               </a:ext>
             </a:extLst>
           </p:cNvPr>
@@ -17509,7 +17509,7 @@
           <p:cNvPr id="13" name="Slide Number Placeholder 5">
             <a:extLst>
               <a:ext uri="{FF2B5EF4-FFF2-40B4-BE49-F238E27FC236}">
-                <a16:creationId xmlns:a16="http://schemas.microsoft.com/office/drawing/2014/main" xmlns="" id="{2D12129F-1D47-254A-89F8-DC26161B87E2}"/>
+                <a16:creationId xmlns="" xmlns:a16="http://schemas.microsoft.com/office/drawing/2014/main" id="{2D12129F-1D47-254A-89F8-DC26161B87E2}"/>
               </a:ext>
             </a:extLst>
           </p:cNvPr>
@@ -17556,7 +17556,7 @@
           <p:cNvPr id="14" name="Заголовок 3">
             <a:extLst>
               <a:ext uri="{FF2B5EF4-FFF2-40B4-BE49-F238E27FC236}">
-                <a16:creationId xmlns:a16="http://schemas.microsoft.com/office/drawing/2014/main" xmlns="" id="{FFF6938D-3112-4D42-A9E5-13EC2B15E1A3}"/>
+                <a16:creationId xmlns="" xmlns:a16="http://schemas.microsoft.com/office/drawing/2014/main" id="{FFF6938D-3112-4D42-A9E5-13EC2B15E1A3}"/>
               </a:ext>
             </a:extLst>
           </p:cNvPr>
@@ -17594,7 +17594,7 @@
           <p:cNvPr id="8" name="Рисунок 2">
             <a:extLst>
               <a:ext uri="{FF2B5EF4-FFF2-40B4-BE49-F238E27FC236}">
-                <a16:creationId xmlns:a16="http://schemas.microsoft.com/office/drawing/2014/main" xmlns="" id="{51D18458-3918-4B43-83CC-BE9872AE628A}"/>
+                <a16:creationId xmlns="" xmlns:a16="http://schemas.microsoft.com/office/drawing/2014/main" id="{51D18458-3918-4B43-83CC-BE9872AE628A}"/>
               </a:ext>
             </a:extLst>
           </p:cNvPr>
@@ -17652,7 +17652,7 @@
           <p:cNvPr id="7" name="Рисунок 2">
             <a:extLst>
               <a:ext uri="{FF2B5EF4-FFF2-40B4-BE49-F238E27FC236}">
-                <a16:creationId xmlns:a16="http://schemas.microsoft.com/office/drawing/2014/main" xmlns="" id="{08A2693F-48EF-E14E-9B89-421D6299B208}"/>
+                <a16:creationId xmlns="" xmlns:a16="http://schemas.microsoft.com/office/drawing/2014/main" id="{08A2693F-48EF-E14E-9B89-421D6299B208}"/>
               </a:ext>
             </a:extLst>
           </p:cNvPr>
@@ -17710,7 +17710,7 @@
           <p:cNvPr id="9" name="Рисунок 2">
             <a:extLst>
               <a:ext uri="{FF2B5EF4-FFF2-40B4-BE49-F238E27FC236}">
-                <a16:creationId xmlns:a16="http://schemas.microsoft.com/office/drawing/2014/main" xmlns="" id="{D43D93D4-A86E-1248-B402-BACDE7FB57BE}"/>
+                <a16:creationId xmlns="" xmlns:a16="http://schemas.microsoft.com/office/drawing/2014/main" id="{D43D93D4-A86E-1248-B402-BACDE7FB57BE}"/>
               </a:ext>
             </a:extLst>
           </p:cNvPr>
@@ -17798,7 +17798,7 @@
           <p:cNvPr id="14" name="Рисунок 2">
             <a:extLst>
               <a:ext uri="{FF2B5EF4-FFF2-40B4-BE49-F238E27FC236}">
-                <a16:creationId xmlns:a16="http://schemas.microsoft.com/office/drawing/2014/main" xmlns="" id="{EA502E89-DEA8-6F45-8073-569B507DB422}"/>
+                <a16:creationId xmlns="" xmlns:a16="http://schemas.microsoft.com/office/drawing/2014/main" id="{EA502E89-DEA8-6F45-8073-569B507DB422}"/>
               </a:ext>
             </a:extLst>
           </p:cNvPr>
@@ -17852,7 +17852,7 @@
           <p:cNvPr id="5" name="Footer Placeholder 4">
             <a:extLst>
               <a:ext uri="{FF2B5EF4-FFF2-40B4-BE49-F238E27FC236}">
-                <a16:creationId xmlns:a16="http://schemas.microsoft.com/office/drawing/2014/main" xmlns="" id="{5108EC28-5BE0-7E49-9412-397DBC16A3A8}"/>
+                <a16:creationId xmlns="" xmlns:a16="http://schemas.microsoft.com/office/drawing/2014/main" id="{5108EC28-5BE0-7E49-9412-397DBC16A3A8}"/>
               </a:ext>
             </a:extLst>
           </p:cNvPr>
@@ -17897,7 +17897,7 @@
           <p:cNvPr id="6" name="Slide Number Placeholder 5">
             <a:extLst>
               <a:ext uri="{FF2B5EF4-FFF2-40B4-BE49-F238E27FC236}">
-                <a16:creationId xmlns:a16="http://schemas.microsoft.com/office/drawing/2014/main" xmlns="" id="{79D79FD6-9EE1-764D-9BF1-8C9BF659A2A8}"/>
+                <a16:creationId xmlns="" xmlns:a16="http://schemas.microsoft.com/office/drawing/2014/main" id="{79D79FD6-9EE1-764D-9BF1-8C9BF659A2A8}"/>
               </a:ext>
             </a:extLst>
           </p:cNvPr>
@@ -17974,7 +17974,7 @@
           <p:cNvPr id="6" name="Subtitle 2">
             <a:extLst>
               <a:ext uri="{FF2B5EF4-FFF2-40B4-BE49-F238E27FC236}">
-                <a16:creationId xmlns:a16="http://schemas.microsoft.com/office/drawing/2014/main" xmlns="" id="{B61AA1D6-93BC-7E46-B43D-C6BE24CBC423}"/>
+                <a16:creationId xmlns="" xmlns:a16="http://schemas.microsoft.com/office/drawing/2014/main" id="{B61AA1D6-93BC-7E46-B43D-C6BE24CBC423}"/>
               </a:ext>
             </a:extLst>
           </p:cNvPr>
@@ -18142,7 +18142,7 @@
           <p:cNvPr id="13" name="Footer Placeholder 4">
             <a:extLst>
               <a:ext uri="{FF2B5EF4-FFF2-40B4-BE49-F238E27FC236}">
-                <a16:creationId xmlns:a16="http://schemas.microsoft.com/office/drawing/2014/main" xmlns="" id="{AD3B634B-388F-A448-9977-928240B537CB}"/>
+                <a16:creationId xmlns="" xmlns:a16="http://schemas.microsoft.com/office/drawing/2014/main" id="{AD3B634B-388F-A448-9977-928240B537CB}"/>
               </a:ext>
             </a:extLst>
           </p:cNvPr>
@@ -18187,7 +18187,7 @@
           <p:cNvPr id="14" name="Slide Number Placeholder 5">
             <a:extLst>
               <a:ext uri="{FF2B5EF4-FFF2-40B4-BE49-F238E27FC236}">
-                <a16:creationId xmlns:a16="http://schemas.microsoft.com/office/drawing/2014/main" xmlns="" id="{34750DB9-1050-F946-A127-D0A81371C620}"/>
+                <a16:creationId xmlns="" xmlns:a16="http://schemas.microsoft.com/office/drawing/2014/main" id="{34750DB9-1050-F946-A127-D0A81371C620}"/>
               </a:ext>
             </a:extLst>
           </p:cNvPr>
@@ -18234,7 +18234,7 @@
           <p:cNvPr id="15" name="Заголовок 3">
             <a:extLst>
               <a:ext uri="{FF2B5EF4-FFF2-40B4-BE49-F238E27FC236}">
-                <a16:creationId xmlns:a16="http://schemas.microsoft.com/office/drawing/2014/main" xmlns="" id="{E93341BD-A05E-7146-B509-3E298CC0F27D}"/>
+                <a16:creationId xmlns="" xmlns:a16="http://schemas.microsoft.com/office/drawing/2014/main" id="{E93341BD-A05E-7146-B509-3E298CC0F27D}"/>
               </a:ext>
             </a:extLst>
           </p:cNvPr>
@@ -18280,7 +18280,7 @@
           <p:cNvPr id="5" name="Текст 4">
             <a:extLst>
               <a:ext uri="{FF2B5EF4-FFF2-40B4-BE49-F238E27FC236}">
-                <a16:creationId xmlns:a16="http://schemas.microsoft.com/office/drawing/2014/main" xmlns="" id="{C578235F-978B-214B-8415-D194E2679FA4}"/>
+                <a16:creationId xmlns="" xmlns:a16="http://schemas.microsoft.com/office/drawing/2014/main" id="{C578235F-978B-214B-8415-D194E2679FA4}"/>
               </a:ext>
             </a:extLst>
           </p:cNvPr>
@@ -18389,7 +18389,7 @@
           <p:cNvPr id="9" name="Изображение 6">
             <a:extLst>
               <a:ext uri="{FF2B5EF4-FFF2-40B4-BE49-F238E27FC236}">
-                <a16:creationId xmlns:a16="http://schemas.microsoft.com/office/drawing/2014/main" xmlns="" id="{81BD82A9-1276-C545-95ED-77EB8F04207E}"/>
+                <a16:creationId xmlns="" xmlns:a16="http://schemas.microsoft.com/office/drawing/2014/main" id="{81BD82A9-1276-C545-95ED-77EB8F04207E}"/>
               </a:ext>
             </a:extLst>
           </p:cNvPr>
@@ -18419,7 +18419,7 @@
           <p:cNvPr id="10" name="Рисунок 7">
             <a:extLst>
               <a:ext uri="{FF2B5EF4-FFF2-40B4-BE49-F238E27FC236}">
-                <a16:creationId xmlns:a16="http://schemas.microsoft.com/office/drawing/2014/main" xmlns="" id="{E507520B-53A2-D34F-B6D4-3DF34063A6DE}"/>
+                <a16:creationId xmlns="" xmlns:a16="http://schemas.microsoft.com/office/drawing/2014/main" id="{E507520B-53A2-D34F-B6D4-3DF34063A6DE}"/>
               </a:ext>
             </a:extLst>
           </p:cNvPr>
@@ -18464,7 +18464,7 @@
           <p:cNvPr id="12" name="Subtitle 2">
             <a:extLst>
               <a:ext uri="{FF2B5EF4-FFF2-40B4-BE49-F238E27FC236}">
-                <a16:creationId xmlns:a16="http://schemas.microsoft.com/office/drawing/2014/main" xmlns="" id="{12DEBE05-BD93-9E4C-8833-39CDD96963AD}"/>
+                <a16:creationId xmlns="" xmlns:a16="http://schemas.microsoft.com/office/drawing/2014/main" id="{12DEBE05-BD93-9E4C-8833-39CDD96963AD}"/>
               </a:ext>
             </a:extLst>
           </p:cNvPr>
@@ -18548,7 +18548,7 @@
           <p:cNvPr id="7" name="Title 1">
             <a:extLst>
               <a:ext uri="{FF2B5EF4-FFF2-40B4-BE49-F238E27FC236}">
-                <a16:creationId xmlns:a16="http://schemas.microsoft.com/office/drawing/2014/main" xmlns="" id="{59DE0F7C-FF9C-4248-9895-EC5F33449FE0}"/>
+                <a16:creationId xmlns="" xmlns:a16="http://schemas.microsoft.com/office/drawing/2014/main" id="{59DE0F7C-FF9C-4248-9895-EC5F33449FE0}"/>
               </a:ext>
             </a:extLst>
           </p:cNvPr>
@@ -18645,7 +18645,7 @@
           <p:cNvPr id="13" name="Footer Placeholder 4">
             <a:extLst>
               <a:ext uri="{FF2B5EF4-FFF2-40B4-BE49-F238E27FC236}">
-                <a16:creationId xmlns:a16="http://schemas.microsoft.com/office/drawing/2014/main" xmlns="" id="{56CB4852-24CC-9546-8775-D111FA686AD8}"/>
+                <a16:creationId xmlns="" xmlns:a16="http://schemas.microsoft.com/office/drawing/2014/main" id="{56CB4852-24CC-9546-8775-D111FA686AD8}"/>
               </a:ext>
             </a:extLst>
           </p:cNvPr>
@@ -18690,7 +18690,7 @@
           <p:cNvPr id="14" name="Slide Number Placeholder 5">
             <a:extLst>
               <a:ext uri="{FF2B5EF4-FFF2-40B4-BE49-F238E27FC236}">
-                <a16:creationId xmlns:a16="http://schemas.microsoft.com/office/drawing/2014/main" xmlns="" id="{0E609C07-4ABA-9149-94E6-B2C8983AFC4F}"/>
+                <a16:creationId xmlns="" xmlns:a16="http://schemas.microsoft.com/office/drawing/2014/main" id="{0E609C07-4ABA-9149-94E6-B2C8983AFC4F}"/>
               </a:ext>
             </a:extLst>
           </p:cNvPr>
@@ -18737,7 +18737,7 @@
           <p:cNvPr id="15" name="Заголовок 3">
             <a:extLst>
               <a:ext uri="{FF2B5EF4-FFF2-40B4-BE49-F238E27FC236}">
-                <a16:creationId xmlns:a16="http://schemas.microsoft.com/office/drawing/2014/main" xmlns="" id="{45484853-AF1C-9C4F-87F8-C9C5A3EDBD7D}"/>
+                <a16:creationId xmlns="" xmlns:a16="http://schemas.microsoft.com/office/drawing/2014/main" id="{45484853-AF1C-9C4F-87F8-C9C5A3EDBD7D}"/>
               </a:ext>
             </a:extLst>
           </p:cNvPr>
@@ -18775,7 +18775,7 @@
           <p:cNvPr id="8" name="Текст 4">
             <a:extLst>
               <a:ext uri="{FF2B5EF4-FFF2-40B4-BE49-F238E27FC236}">
-                <a16:creationId xmlns:a16="http://schemas.microsoft.com/office/drawing/2014/main" xmlns="" id="{DC83B333-F3B4-444F-8A46-A3EA094A312F}"/>
+                <a16:creationId xmlns="" xmlns:a16="http://schemas.microsoft.com/office/drawing/2014/main" id="{DC83B333-F3B4-444F-8A46-A3EA094A312F}"/>
               </a:ext>
             </a:extLst>
           </p:cNvPr>
@@ -18862,7 +18862,7 @@
           <p:cNvPr id="10" name="Текст 5">
             <a:extLst>
               <a:ext uri="{FF2B5EF4-FFF2-40B4-BE49-F238E27FC236}">
-                <a16:creationId xmlns:a16="http://schemas.microsoft.com/office/drawing/2014/main" xmlns="" id="{C09B87DF-F74F-C84C-8E71-045F945C6962}"/>
+                <a16:creationId xmlns="" xmlns:a16="http://schemas.microsoft.com/office/drawing/2014/main" id="{C09B87DF-F74F-C84C-8E71-045F945C6962}"/>
               </a:ext>
             </a:extLst>
           </p:cNvPr>
@@ -18922,7 +18922,7 @@
           <p:cNvPr id="12" name="Текст 13">
             <a:extLst>
               <a:ext uri="{FF2B5EF4-FFF2-40B4-BE49-F238E27FC236}">
-                <a16:creationId xmlns:a16="http://schemas.microsoft.com/office/drawing/2014/main" xmlns="" id="{83029A49-DE31-E64A-A86E-7056DB181FD0}"/>
+                <a16:creationId xmlns="" xmlns:a16="http://schemas.microsoft.com/office/drawing/2014/main" id="{83029A49-DE31-E64A-A86E-7056DB181FD0}"/>
               </a:ext>
             </a:extLst>
           </p:cNvPr>
@@ -18971,7 +18971,7 @@
           <p:cNvPr id="16" name="Заголовок 1">
             <a:extLst>
               <a:ext uri="{FF2B5EF4-FFF2-40B4-BE49-F238E27FC236}">
-                <a16:creationId xmlns:a16="http://schemas.microsoft.com/office/drawing/2014/main" xmlns="" id="{6B16E7C6-92E3-6843-B9BE-BFA1FBEB698D}"/>
+                <a16:creationId xmlns="" xmlns:a16="http://schemas.microsoft.com/office/drawing/2014/main" id="{6B16E7C6-92E3-6843-B9BE-BFA1FBEB698D}"/>
               </a:ext>
             </a:extLst>
           </p:cNvPr>
@@ -19011,7 +19011,7 @@
           <p:cNvPr id="20" name="Текст 13">
             <a:extLst>
               <a:ext uri="{FF2B5EF4-FFF2-40B4-BE49-F238E27FC236}">
-                <a16:creationId xmlns:a16="http://schemas.microsoft.com/office/drawing/2014/main" xmlns="" id="{6DE52A79-8184-B048-AE45-4960F2F1B575}"/>
+                <a16:creationId xmlns="" xmlns:a16="http://schemas.microsoft.com/office/drawing/2014/main" id="{6DE52A79-8184-B048-AE45-4960F2F1B575}"/>
               </a:ext>
             </a:extLst>
           </p:cNvPr>
@@ -19089,7 +19089,7 @@
           <p:cNvPr id="24" name="Текст 13">
             <a:extLst>
               <a:ext uri="{FF2B5EF4-FFF2-40B4-BE49-F238E27FC236}">
-                <a16:creationId xmlns:a16="http://schemas.microsoft.com/office/drawing/2014/main" xmlns="" id="{189F932A-831C-6E4F-83E8-CFBA348AF3B0}"/>
+                <a16:creationId xmlns="" xmlns:a16="http://schemas.microsoft.com/office/drawing/2014/main" id="{189F932A-831C-6E4F-83E8-CFBA348AF3B0}"/>
               </a:ext>
             </a:extLst>
           </p:cNvPr>
@@ -19166,7 +19166,7 @@
           <p:cNvPr id="25" name="Текст 5">
             <a:extLst>
               <a:ext uri="{FF2B5EF4-FFF2-40B4-BE49-F238E27FC236}">
-                <a16:creationId xmlns:a16="http://schemas.microsoft.com/office/drawing/2014/main" xmlns="" id="{71328253-70E3-5C47-993B-51E50AED8329}"/>
+                <a16:creationId xmlns="" xmlns:a16="http://schemas.microsoft.com/office/drawing/2014/main" id="{71328253-70E3-5C47-993B-51E50AED8329}"/>
               </a:ext>
             </a:extLst>
           </p:cNvPr>
@@ -19226,7 +19226,7 @@
           <p:cNvPr id="26" name="Текст 13">
             <a:extLst>
               <a:ext uri="{FF2B5EF4-FFF2-40B4-BE49-F238E27FC236}">
-                <a16:creationId xmlns:a16="http://schemas.microsoft.com/office/drawing/2014/main" xmlns="" id="{6A552FD6-ABD1-D64D-9FF6-E553B0A55606}"/>
+                <a16:creationId xmlns="" xmlns:a16="http://schemas.microsoft.com/office/drawing/2014/main" id="{6A552FD6-ABD1-D64D-9FF6-E553B0A55606}"/>
               </a:ext>
             </a:extLst>
           </p:cNvPr>
@@ -19275,7 +19275,7 @@
           <p:cNvPr id="27" name="Текст 13">
             <a:extLst>
               <a:ext uri="{FF2B5EF4-FFF2-40B4-BE49-F238E27FC236}">
-                <a16:creationId xmlns:a16="http://schemas.microsoft.com/office/drawing/2014/main" xmlns="" id="{7207650D-8903-7C4E-9AEE-D86AEB38CAA4}"/>
+                <a16:creationId xmlns="" xmlns:a16="http://schemas.microsoft.com/office/drawing/2014/main" id="{7207650D-8903-7C4E-9AEE-D86AEB38CAA4}"/>
               </a:ext>
             </a:extLst>
           </p:cNvPr>
@@ -19353,7 +19353,7 @@
           <p:cNvPr id="30" name="Текст 13">
             <a:extLst>
               <a:ext uri="{FF2B5EF4-FFF2-40B4-BE49-F238E27FC236}">
-                <a16:creationId xmlns:a16="http://schemas.microsoft.com/office/drawing/2014/main" xmlns="" id="{3BB70EA8-80F5-E34B-BB07-E65613EA8DDF}"/>
+                <a16:creationId xmlns="" xmlns:a16="http://schemas.microsoft.com/office/drawing/2014/main" id="{3BB70EA8-80F5-E34B-BB07-E65613EA8DDF}"/>
               </a:ext>
             </a:extLst>
           </p:cNvPr>
@@ -19430,7 +19430,7 @@
           <p:cNvPr id="18" name="Изображение 6">
             <a:extLst>
               <a:ext uri="{FF2B5EF4-FFF2-40B4-BE49-F238E27FC236}">
-                <a16:creationId xmlns:a16="http://schemas.microsoft.com/office/drawing/2014/main" xmlns="" id="{AB3E2125-805D-EE4F-87E3-DE74929187B1}"/>
+                <a16:creationId xmlns="" xmlns:a16="http://schemas.microsoft.com/office/drawing/2014/main" id="{AB3E2125-805D-EE4F-87E3-DE74929187B1}"/>
               </a:ext>
             </a:extLst>
           </p:cNvPr>
@@ -19460,7 +19460,7 @@
           <p:cNvPr id="19" name="Рисунок 7">
             <a:extLst>
               <a:ext uri="{FF2B5EF4-FFF2-40B4-BE49-F238E27FC236}">
-                <a16:creationId xmlns:a16="http://schemas.microsoft.com/office/drawing/2014/main" xmlns="" id="{8D7C290C-5BB6-D14F-95C8-1FAE5375BC9C}"/>
+                <a16:creationId xmlns="" xmlns:a16="http://schemas.microsoft.com/office/drawing/2014/main" id="{8D7C290C-5BB6-D14F-95C8-1FAE5375BC9C}"/>
               </a:ext>
             </a:extLst>
           </p:cNvPr>
@@ -19505,7 +19505,7 @@
           <p:cNvPr id="31" name="Рисунок 10">
             <a:extLst>
               <a:ext uri="{FF2B5EF4-FFF2-40B4-BE49-F238E27FC236}">
-                <a16:creationId xmlns:a16="http://schemas.microsoft.com/office/drawing/2014/main" xmlns="" id="{EDCF3707-D507-EE43-908E-05F8BD123C22}"/>
+                <a16:creationId xmlns="" xmlns:a16="http://schemas.microsoft.com/office/drawing/2014/main" id="{EDCF3707-D507-EE43-908E-05F8BD123C22}"/>
               </a:ext>
             </a:extLst>
           </p:cNvPr>
@@ -19543,7 +19543,7 @@
           <p:cNvPr id="33" name="Рисунок 10">
             <a:extLst>
               <a:ext uri="{FF2B5EF4-FFF2-40B4-BE49-F238E27FC236}">
-                <a16:creationId xmlns:a16="http://schemas.microsoft.com/office/drawing/2014/main" xmlns="" id="{338C2023-7709-FA4E-82B3-344C61A157ED}"/>
+                <a16:creationId xmlns="" xmlns:a16="http://schemas.microsoft.com/office/drawing/2014/main" id="{338C2023-7709-FA4E-82B3-344C61A157ED}"/>
               </a:ext>
             </a:extLst>
           </p:cNvPr>
@@ -19581,7 +19581,7 @@
           <p:cNvPr id="34" name="Рисунок 10">
             <a:extLst>
               <a:ext uri="{FF2B5EF4-FFF2-40B4-BE49-F238E27FC236}">
-                <a16:creationId xmlns:a16="http://schemas.microsoft.com/office/drawing/2014/main" xmlns="" id="{FEEA7C5F-02DF-494E-A3DD-371DBF79D422}"/>
+                <a16:creationId xmlns="" xmlns:a16="http://schemas.microsoft.com/office/drawing/2014/main" id="{FEEA7C5F-02DF-494E-A3DD-371DBF79D422}"/>
               </a:ext>
             </a:extLst>
           </p:cNvPr>
@@ -19619,7 +19619,7 @@
           <p:cNvPr id="35" name="Рисунок 10">
             <a:extLst>
               <a:ext uri="{FF2B5EF4-FFF2-40B4-BE49-F238E27FC236}">
-                <a16:creationId xmlns:a16="http://schemas.microsoft.com/office/drawing/2014/main" xmlns="" id="{234FC2DF-131A-424E-98BF-B350AB6AFA20}"/>
+                <a16:creationId xmlns="" xmlns:a16="http://schemas.microsoft.com/office/drawing/2014/main" id="{234FC2DF-131A-424E-98BF-B350AB6AFA20}"/>
               </a:ext>
             </a:extLst>
           </p:cNvPr>
@@ -19657,7 +19657,7 @@
           <p:cNvPr id="23" name="Рисунок 9">
             <a:extLst>
               <a:ext uri="{FF2B5EF4-FFF2-40B4-BE49-F238E27FC236}">
-                <a16:creationId xmlns:a16="http://schemas.microsoft.com/office/drawing/2014/main" xmlns="" id="{CE948354-65EA-4A45-A248-16350434ABB6}"/>
+                <a16:creationId xmlns="" xmlns:a16="http://schemas.microsoft.com/office/drawing/2014/main" id="{CE948354-65EA-4A45-A248-16350434ABB6}"/>
               </a:ext>
             </a:extLst>
           </p:cNvPr>
@@ -19765,7 +19765,7 @@
           <p:cNvPr id="10" name="Текст 5">
             <a:extLst>
               <a:ext uri="{FF2B5EF4-FFF2-40B4-BE49-F238E27FC236}">
-                <a16:creationId xmlns:a16="http://schemas.microsoft.com/office/drawing/2014/main" xmlns="" id="{C09B87DF-F74F-C84C-8E71-045F945C6962}"/>
+                <a16:creationId xmlns="" xmlns:a16="http://schemas.microsoft.com/office/drawing/2014/main" id="{C09B87DF-F74F-C84C-8E71-045F945C6962}"/>
               </a:ext>
             </a:extLst>
           </p:cNvPr>
@@ -19825,7 +19825,7 @@
           <p:cNvPr id="12" name="Текст 13">
             <a:extLst>
               <a:ext uri="{FF2B5EF4-FFF2-40B4-BE49-F238E27FC236}">
-                <a16:creationId xmlns:a16="http://schemas.microsoft.com/office/drawing/2014/main" xmlns="" id="{83029A49-DE31-E64A-A86E-7056DB181FD0}"/>
+                <a16:creationId xmlns="" xmlns:a16="http://schemas.microsoft.com/office/drawing/2014/main" id="{83029A49-DE31-E64A-A86E-7056DB181FD0}"/>
               </a:ext>
             </a:extLst>
           </p:cNvPr>
@@ -19874,7 +19874,7 @@
           <p:cNvPr id="16" name="Заголовок 1">
             <a:extLst>
               <a:ext uri="{FF2B5EF4-FFF2-40B4-BE49-F238E27FC236}">
-                <a16:creationId xmlns:a16="http://schemas.microsoft.com/office/drawing/2014/main" xmlns="" id="{6B16E7C6-92E3-6843-B9BE-BFA1FBEB698D}"/>
+                <a16:creationId xmlns="" xmlns:a16="http://schemas.microsoft.com/office/drawing/2014/main" id="{6B16E7C6-92E3-6843-B9BE-BFA1FBEB698D}"/>
               </a:ext>
             </a:extLst>
           </p:cNvPr>
@@ -19914,7 +19914,7 @@
           <p:cNvPr id="20" name="Текст 13">
             <a:extLst>
               <a:ext uri="{FF2B5EF4-FFF2-40B4-BE49-F238E27FC236}">
-                <a16:creationId xmlns:a16="http://schemas.microsoft.com/office/drawing/2014/main" xmlns="" id="{6DE52A79-8184-B048-AE45-4960F2F1B575}"/>
+                <a16:creationId xmlns="" xmlns:a16="http://schemas.microsoft.com/office/drawing/2014/main" id="{6DE52A79-8184-B048-AE45-4960F2F1B575}"/>
               </a:ext>
             </a:extLst>
           </p:cNvPr>
@@ -19992,7 +19992,7 @@
           <p:cNvPr id="24" name="Текст 13">
             <a:extLst>
               <a:ext uri="{FF2B5EF4-FFF2-40B4-BE49-F238E27FC236}">
-                <a16:creationId xmlns:a16="http://schemas.microsoft.com/office/drawing/2014/main" xmlns="" id="{189F932A-831C-6E4F-83E8-CFBA348AF3B0}"/>
+                <a16:creationId xmlns="" xmlns:a16="http://schemas.microsoft.com/office/drawing/2014/main" id="{189F932A-831C-6E4F-83E8-CFBA348AF3B0}"/>
               </a:ext>
             </a:extLst>
           </p:cNvPr>
@@ -20069,7 +20069,7 @@
           <p:cNvPr id="25" name="Текст 5">
             <a:extLst>
               <a:ext uri="{FF2B5EF4-FFF2-40B4-BE49-F238E27FC236}">
-                <a16:creationId xmlns:a16="http://schemas.microsoft.com/office/drawing/2014/main" xmlns="" id="{71328253-70E3-5C47-993B-51E50AED8329}"/>
+                <a16:creationId xmlns="" xmlns:a16="http://schemas.microsoft.com/office/drawing/2014/main" id="{71328253-70E3-5C47-993B-51E50AED8329}"/>
               </a:ext>
             </a:extLst>
           </p:cNvPr>
@@ -20129,7 +20129,7 @@
           <p:cNvPr id="26" name="Текст 13">
             <a:extLst>
               <a:ext uri="{FF2B5EF4-FFF2-40B4-BE49-F238E27FC236}">
-                <a16:creationId xmlns:a16="http://schemas.microsoft.com/office/drawing/2014/main" xmlns="" id="{6A552FD6-ABD1-D64D-9FF6-E553B0A55606}"/>
+                <a16:creationId xmlns="" xmlns:a16="http://schemas.microsoft.com/office/drawing/2014/main" id="{6A552FD6-ABD1-D64D-9FF6-E553B0A55606}"/>
               </a:ext>
             </a:extLst>
           </p:cNvPr>
@@ -20178,7 +20178,7 @@
           <p:cNvPr id="27" name="Текст 13">
             <a:extLst>
               <a:ext uri="{FF2B5EF4-FFF2-40B4-BE49-F238E27FC236}">
-                <a16:creationId xmlns:a16="http://schemas.microsoft.com/office/drawing/2014/main" xmlns="" id="{7207650D-8903-7C4E-9AEE-D86AEB38CAA4}"/>
+                <a16:creationId xmlns="" xmlns:a16="http://schemas.microsoft.com/office/drawing/2014/main" id="{7207650D-8903-7C4E-9AEE-D86AEB38CAA4}"/>
               </a:ext>
             </a:extLst>
           </p:cNvPr>
@@ -20256,7 +20256,7 @@
           <p:cNvPr id="30" name="Текст 13">
             <a:extLst>
               <a:ext uri="{FF2B5EF4-FFF2-40B4-BE49-F238E27FC236}">
-                <a16:creationId xmlns:a16="http://schemas.microsoft.com/office/drawing/2014/main" xmlns="" id="{3BB70EA8-80F5-E34B-BB07-E65613EA8DDF}"/>
+                <a16:creationId xmlns="" xmlns:a16="http://schemas.microsoft.com/office/drawing/2014/main" id="{3BB70EA8-80F5-E34B-BB07-E65613EA8DDF}"/>
               </a:ext>
             </a:extLst>
           </p:cNvPr>
@@ -20333,7 +20333,7 @@
           <p:cNvPr id="18" name="Изображение 6">
             <a:extLst>
               <a:ext uri="{FF2B5EF4-FFF2-40B4-BE49-F238E27FC236}">
-                <a16:creationId xmlns:a16="http://schemas.microsoft.com/office/drawing/2014/main" xmlns="" id="{AB3E2125-805D-EE4F-87E3-DE74929187B1}"/>
+                <a16:creationId xmlns="" xmlns:a16="http://schemas.microsoft.com/office/drawing/2014/main" id="{AB3E2125-805D-EE4F-87E3-DE74929187B1}"/>
               </a:ext>
             </a:extLst>
           </p:cNvPr>
@@ -20363,7 +20363,7 @@
           <p:cNvPr id="19" name="Рисунок 7">
             <a:extLst>
               <a:ext uri="{FF2B5EF4-FFF2-40B4-BE49-F238E27FC236}">
-                <a16:creationId xmlns:a16="http://schemas.microsoft.com/office/drawing/2014/main" xmlns="" id="{8D7C290C-5BB6-D14F-95C8-1FAE5375BC9C}"/>
+                <a16:creationId xmlns="" xmlns:a16="http://schemas.microsoft.com/office/drawing/2014/main" id="{8D7C290C-5BB6-D14F-95C8-1FAE5375BC9C}"/>
               </a:ext>
             </a:extLst>
           </p:cNvPr>
@@ -20408,7 +20408,7 @@
           <p:cNvPr id="31" name="Рисунок 10">
             <a:extLst>
               <a:ext uri="{FF2B5EF4-FFF2-40B4-BE49-F238E27FC236}">
-                <a16:creationId xmlns:a16="http://schemas.microsoft.com/office/drawing/2014/main" xmlns="" id="{EDCF3707-D507-EE43-908E-05F8BD123C22}"/>
+                <a16:creationId xmlns="" xmlns:a16="http://schemas.microsoft.com/office/drawing/2014/main" id="{EDCF3707-D507-EE43-908E-05F8BD123C22}"/>
               </a:ext>
             </a:extLst>
           </p:cNvPr>
@@ -20446,7 +20446,7 @@
           <p:cNvPr id="33" name="Рисунок 10">
             <a:extLst>
               <a:ext uri="{FF2B5EF4-FFF2-40B4-BE49-F238E27FC236}">
-                <a16:creationId xmlns:a16="http://schemas.microsoft.com/office/drawing/2014/main" xmlns="" id="{338C2023-7709-FA4E-82B3-344C61A157ED}"/>
+                <a16:creationId xmlns="" xmlns:a16="http://schemas.microsoft.com/office/drawing/2014/main" id="{338C2023-7709-FA4E-82B3-344C61A157ED}"/>
               </a:ext>
             </a:extLst>
           </p:cNvPr>
@@ -20484,7 +20484,7 @@
           <p:cNvPr id="34" name="Рисунок 10">
             <a:extLst>
               <a:ext uri="{FF2B5EF4-FFF2-40B4-BE49-F238E27FC236}">
-                <a16:creationId xmlns:a16="http://schemas.microsoft.com/office/drawing/2014/main" xmlns="" id="{FEEA7C5F-02DF-494E-A3DD-371DBF79D422}"/>
+                <a16:creationId xmlns="" xmlns:a16="http://schemas.microsoft.com/office/drawing/2014/main" id="{FEEA7C5F-02DF-494E-A3DD-371DBF79D422}"/>
               </a:ext>
             </a:extLst>
           </p:cNvPr>
@@ -20522,7 +20522,7 @@
           <p:cNvPr id="35" name="Рисунок 10">
             <a:extLst>
               <a:ext uri="{FF2B5EF4-FFF2-40B4-BE49-F238E27FC236}">
-                <a16:creationId xmlns:a16="http://schemas.microsoft.com/office/drawing/2014/main" xmlns="" id="{234FC2DF-131A-424E-98BF-B350AB6AFA20}"/>
+                <a16:creationId xmlns="" xmlns:a16="http://schemas.microsoft.com/office/drawing/2014/main" id="{234FC2DF-131A-424E-98BF-B350AB6AFA20}"/>
               </a:ext>
             </a:extLst>
           </p:cNvPr>
@@ -20560,7 +20560,7 @@
           <p:cNvPr id="21" name="Рисунок 3">
             <a:extLst>
               <a:ext uri="{FF2B5EF4-FFF2-40B4-BE49-F238E27FC236}">
-                <a16:creationId xmlns:a16="http://schemas.microsoft.com/office/drawing/2014/main" xmlns="" id="{ACFB3425-CFEE-784D-B66F-A0F8DE364211}"/>
+                <a16:creationId xmlns="" xmlns:a16="http://schemas.microsoft.com/office/drawing/2014/main" id="{ACFB3425-CFEE-784D-B66F-A0F8DE364211}"/>
               </a:ext>
             </a:extLst>
           </p:cNvPr>
@@ -20634,7 +20634,7 @@
           <p:cNvPr id="16" name="Заголовок 1">
             <a:extLst>
               <a:ext uri="{FF2B5EF4-FFF2-40B4-BE49-F238E27FC236}">
-                <a16:creationId xmlns:a16="http://schemas.microsoft.com/office/drawing/2014/main" xmlns="" id="{6B16E7C6-92E3-6843-B9BE-BFA1FBEB698D}"/>
+                <a16:creationId xmlns="" xmlns:a16="http://schemas.microsoft.com/office/drawing/2014/main" id="{6B16E7C6-92E3-6843-B9BE-BFA1FBEB698D}"/>
               </a:ext>
             </a:extLst>
           </p:cNvPr>
@@ -20678,7 +20678,7 @@
           <p:cNvPr id="18" name="Изображение 8">
             <a:extLst>
               <a:ext uri="{FF2B5EF4-FFF2-40B4-BE49-F238E27FC236}">
-                <a16:creationId xmlns:a16="http://schemas.microsoft.com/office/drawing/2014/main" xmlns="" id="{2C0343D3-CA16-7749-A263-ADF949D821CB}"/>
+                <a16:creationId xmlns="" xmlns:a16="http://schemas.microsoft.com/office/drawing/2014/main" id="{2C0343D3-CA16-7749-A263-ADF949D821CB}"/>
               </a:ext>
             </a:extLst>
           </p:cNvPr>
@@ -20708,7 +20708,7 @@
           <p:cNvPr id="19" name="Рисунок 7">
             <a:extLst>
               <a:ext uri="{FF2B5EF4-FFF2-40B4-BE49-F238E27FC236}">
-                <a16:creationId xmlns:a16="http://schemas.microsoft.com/office/drawing/2014/main" xmlns="" id="{5FBA08AF-E014-AD48-95B1-8F45C4B748BF}"/>
+                <a16:creationId xmlns="" xmlns:a16="http://schemas.microsoft.com/office/drawing/2014/main" id="{5FBA08AF-E014-AD48-95B1-8F45C4B748BF}"/>
               </a:ext>
             </a:extLst>
           </p:cNvPr>
@@ -20753,7 +20753,7 @@
           <p:cNvPr id="21" name="Текст 5">
             <a:extLst>
               <a:ext uri="{FF2B5EF4-FFF2-40B4-BE49-F238E27FC236}">
-                <a16:creationId xmlns:a16="http://schemas.microsoft.com/office/drawing/2014/main" xmlns="" id="{EAE55469-0C21-1A45-9E51-211C7A9BFBBC}"/>
+                <a16:creationId xmlns="" xmlns:a16="http://schemas.microsoft.com/office/drawing/2014/main" id="{EAE55469-0C21-1A45-9E51-211C7A9BFBBC}"/>
               </a:ext>
             </a:extLst>
           </p:cNvPr>
@@ -20807,7 +20807,7 @@
           <p:cNvPr id="22" name="Текст 13">
             <a:extLst>
               <a:ext uri="{FF2B5EF4-FFF2-40B4-BE49-F238E27FC236}">
-                <a16:creationId xmlns:a16="http://schemas.microsoft.com/office/drawing/2014/main" xmlns="" id="{47CE952D-A80F-7D46-9DDA-3082D6B78841}"/>
+                <a16:creationId xmlns="" xmlns:a16="http://schemas.microsoft.com/office/drawing/2014/main" id="{47CE952D-A80F-7D46-9DDA-3082D6B78841}"/>
               </a:ext>
             </a:extLst>
           </p:cNvPr>
@@ -20858,7 +20858,7 @@
           <p:cNvPr id="28" name="Текст 5">
             <a:extLst>
               <a:ext uri="{FF2B5EF4-FFF2-40B4-BE49-F238E27FC236}">
-                <a16:creationId xmlns:a16="http://schemas.microsoft.com/office/drawing/2014/main" xmlns="" id="{FFF86162-5146-A34A-8041-62C28A169EE4}"/>
+                <a16:creationId xmlns="" xmlns:a16="http://schemas.microsoft.com/office/drawing/2014/main" id="{FFF86162-5146-A34A-8041-62C28A169EE4}"/>
               </a:ext>
             </a:extLst>
           </p:cNvPr>
@@ -20912,7 +20912,7 @@
           <p:cNvPr id="29" name="Текст 13">
             <a:extLst>
               <a:ext uri="{FF2B5EF4-FFF2-40B4-BE49-F238E27FC236}">
-                <a16:creationId xmlns:a16="http://schemas.microsoft.com/office/drawing/2014/main" xmlns="" id="{7E81EC0E-C936-F047-BCBE-336A7C292867}"/>
+                <a16:creationId xmlns="" xmlns:a16="http://schemas.microsoft.com/office/drawing/2014/main" id="{7E81EC0E-C936-F047-BCBE-336A7C292867}"/>
               </a:ext>
             </a:extLst>
           </p:cNvPr>
@@ -20963,7 +20963,7 @@
           <p:cNvPr id="25" name="Рисунок 10">
             <a:extLst>
               <a:ext uri="{FF2B5EF4-FFF2-40B4-BE49-F238E27FC236}">
-                <a16:creationId xmlns:a16="http://schemas.microsoft.com/office/drawing/2014/main" xmlns="" id="{1BD774AD-5E7F-E840-8C33-B151995FE976}"/>
+                <a16:creationId xmlns="" xmlns:a16="http://schemas.microsoft.com/office/drawing/2014/main" id="{1BD774AD-5E7F-E840-8C33-B151995FE976}"/>
               </a:ext>
             </a:extLst>
           </p:cNvPr>
@@ -21001,7 +21001,7 @@
           <p:cNvPr id="26" name="Рисунок 10">
             <a:extLst>
               <a:ext uri="{FF2B5EF4-FFF2-40B4-BE49-F238E27FC236}">
-                <a16:creationId xmlns:a16="http://schemas.microsoft.com/office/drawing/2014/main" xmlns="" id="{DB250544-28AA-8443-8C89-1C2284A77F23}"/>
+                <a16:creationId xmlns="" xmlns:a16="http://schemas.microsoft.com/office/drawing/2014/main" id="{DB250544-28AA-8443-8C89-1C2284A77F23}"/>
               </a:ext>
             </a:extLst>
           </p:cNvPr>
@@ -21039,7 +21039,7 @@
           <p:cNvPr id="35" name="Рисунок 10">
             <a:extLst>
               <a:ext uri="{FF2B5EF4-FFF2-40B4-BE49-F238E27FC236}">
-                <a16:creationId xmlns:a16="http://schemas.microsoft.com/office/drawing/2014/main" xmlns="" id="{94A8308A-2698-E24C-8AEA-822C5EA2655A}"/>
+                <a16:creationId xmlns="" xmlns:a16="http://schemas.microsoft.com/office/drawing/2014/main" id="{94A8308A-2698-E24C-8AEA-822C5EA2655A}"/>
               </a:ext>
             </a:extLst>
           </p:cNvPr>
@@ -21077,7 +21077,7 @@
           <p:cNvPr id="36" name="Рисунок 10">
             <a:extLst>
               <a:ext uri="{FF2B5EF4-FFF2-40B4-BE49-F238E27FC236}">
-                <a16:creationId xmlns:a16="http://schemas.microsoft.com/office/drawing/2014/main" xmlns="" id="{5A3327EC-3702-7445-84A6-E66DB496B24E}"/>
+                <a16:creationId xmlns="" xmlns:a16="http://schemas.microsoft.com/office/drawing/2014/main" id="{5A3327EC-3702-7445-84A6-E66DB496B24E}"/>
               </a:ext>
             </a:extLst>
           </p:cNvPr>
@@ -21115,7 +21115,7 @@
           <p:cNvPr id="37" name="Текст 13">
             <a:extLst>
               <a:ext uri="{FF2B5EF4-FFF2-40B4-BE49-F238E27FC236}">
-                <a16:creationId xmlns:a16="http://schemas.microsoft.com/office/drawing/2014/main" xmlns="" id="{1F9C788A-0539-844B-A9E2-7E5787FDC48E}"/>
+                <a16:creationId xmlns="" xmlns:a16="http://schemas.microsoft.com/office/drawing/2014/main" id="{1F9C788A-0539-844B-A9E2-7E5787FDC48E}"/>
               </a:ext>
             </a:extLst>
           </p:cNvPr>
@@ -21198,7 +21198,7 @@
           <p:cNvPr id="38" name="Текст 13">
             <a:extLst>
               <a:ext uri="{FF2B5EF4-FFF2-40B4-BE49-F238E27FC236}">
-                <a16:creationId xmlns:a16="http://schemas.microsoft.com/office/drawing/2014/main" xmlns="" id="{D00BA3AD-071F-454D-9E76-04A384CEB42D}"/>
+                <a16:creationId xmlns="" xmlns:a16="http://schemas.microsoft.com/office/drawing/2014/main" id="{D00BA3AD-071F-454D-9E76-04A384CEB42D}"/>
               </a:ext>
             </a:extLst>
           </p:cNvPr>
@@ -21276,7 +21276,7 @@
           <p:cNvPr id="39" name="Текст 13">
             <a:extLst>
               <a:ext uri="{FF2B5EF4-FFF2-40B4-BE49-F238E27FC236}">
-                <a16:creationId xmlns:a16="http://schemas.microsoft.com/office/drawing/2014/main" xmlns="" id="{0801B247-141C-BF4E-B3B8-67528581BE75}"/>
+                <a16:creationId xmlns="" xmlns:a16="http://schemas.microsoft.com/office/drawing/2014/main" id="{0801B247-141C-BF4E-B3B8-67528581BE75}"/>
               </a:ext>
             </a:extLst>
           </p:cNvPr>
@@ -21359,7 +21359,7 @@
           <p:cNvPr id="40" name="Текст 13">
             <a:extLst>
               <a:ext uri="{FF2B5EF4-FFF2-40B4-BE49-F238E27FC236}">
-                <a16:creationId xmlns:a16="http://schemas.microsoft.com/office/drawing/2014/main" xmlns="" id="{71D4666A-7E76-4242-BF15-CECA56F77772}"/>
+                <a16:creationId xmlns="" xmlns:a16="http://schemas.microsoft.com/office/drawing/2014/main" id="{71D4666A-7E76-4242-BF15-CECA56F77772}"/>
               </a:ext>
             </a:extLst>
           </p:cNvPr>
@@ -21437,7 +21437,7 @@
           <p:cNvPr id="20" name="Рисунок 9">
             <a:extLst>
               <a:ext uri="{FF2B5EF4-FFF2-40B4-BE49-F238E27FC236}">
-                <a16:creationId xmlns:a16="http://schemas.microsoft.com/office/drawing/2014/main" xmlns="" id="{53458F94-6E27-5E41-ADC5-7067D4ACF5CA}"/>
+                <a16:creationId xmlns="" xmlns:a16="http://schemas.microsoft.com/office/drawing/2014/main" id="{53458F94-6E27-5E41-ADC5-7067D4ACF5CA}"/>
               </a:ext>
             </a:extLst>
           </p:cNvPr>
@@ -21545,7 +21545,7 @@
           <p:cNvPr id="16" name="Заголовок 1">
             <a:extLst>
               <a:ext uri="{FF2B5EF4-FFF2-40B4-BE49-F238E27FC236}">
-                <a16:creationId xmlns:a16="http://schemas.microsoft.com/office/drawing/2014/main" xmlns="" id="{6B16E7C6-92E3-6843-B9BE-BFA1FBEB698D}"/>
+                <a16:creationId xmlns="" xmlns:a16="http://schemas.microsoft.com/office/drawing/2014/main" id="{6B16E7C6-92E3-6843-B9BE-BFA1FBEB698D}"/>
               </a:ext>
             </a:extLst>
           </p:cNvPr>
@@ -21589,7 +21589,7 @@
           <p:cNvPr id="18" name="Изображение 8">
             <a:extLst>
               <a:ext uri="{FF2B5EF4-FFF2-40B4-BE49-F238E27FC236}">
-                <a16:creationId xmlns:a16="http://schemas.microsoft.com/office/drawing/2014/main" xmlns="" id="{2C0343D3-CA16-7749-A263-ADF949D821CB}"/>
+                <a16:creationId xmlns="" xmlns:a16="http://schemas.microsoft.com/office/drawing/2014/main" id="{2C0343D3-CA16-7749-A263-ADF949D821CB}"/>
               </a:ext>
             </a:extLst>
           </p:cNvPr>
@@ -21619,7 +21619,7 @@
           <p:cNvPr id="19" name="Рисунок 7">
             <a:extLst>
               <a:ext uri="{FF2B5EF4-FFF2-40B4-BE49-F238E27FC236}">
-                <a16:creationId xmlns:a16="http://schemas.microsoft.com/office/drawing/2014/main" xmlns="" id="{5FBA08AF-E014-AD48-95B1-8F45C4B748BF}"/>
+                <a16:creationId xmlns="" xmlns:a16="http://schemas.microsoft.com/office/drawing/2014/main" id="{5FBA08AF-E014-AD48-95B1-8F45C4B748BF}"/>
               </a:ext>
             </a:extLst>
           </p:cNvPr>
@@ -21664,7 +21664,7 @@
           <p:cNvPr id="21" name="Текст 5">
             <a:extLst>
               <a:ext uri="{FF2B5EF4-FFF2-40B4-BE49-F238E27FC236}">
-                <a16:creationId xmlns:a16="http://schemas.microsoft.com/office/drawing/2014/main" xmlns="" id="{EAE55469-0C21-1A45-9E51-211C7A9BFBBC}"/>
+                <a16:creationId xmlns="" xmlns:a16="http://schemas.microsoft.com/office/drawing/2014/main" id="{EAE55469-0C21-1A45-9E51-211C7A9BFBBC}"/>
               </a:ext>
             </a:extLst>
           </p:cNvPr>
@@ -21718,7 +21718,7 @@
           <p:cNvPr id="22" name="Текст 13">
             <a:extLst>
               <a:ext uri="{FF2B5EF4-FFF2-40B4-BE49-F238E27FC236}">
-                <a16:creationId xmlns:a16="http://schemas.microsoft.com/office/drawing/2014/main" xmlns="" id="{47CE952D-A80F-7D46-9DDA-3082D6B78841}"/>
+                <a16:creationId xmlns="" xmlns:a16="http://schemas.microsoft.com/office/drawing/2014/main" id="{47CE952D-A80F-7D46-9DDA-3082D6B78841}"/>
               </a:ext>
             </a:extLst>
           </p:cNvPr>
@@ -21769,7 +21769,7 @@
           <p:cNvPr id="28" name="Текст 5">
             <a:extLst>
               <a:ext uri="{FF2B5EF4-FFF2-40B4-BE49-F238E27FC236}">
-                <a16:creationId xmlns:a16="http://schemas.microsoft.com/office/drawing/2014/main" xmlns="" id="{FFF86162-5146-A34A-8041-62C28A169EE4}"/>
+                <a16:creationId xmlns="" xmlns:a16="http://schemas.microsoft.com/office/drawing/2014/main" id="{FFF86162-5146-A34A-8041-62C28A169EE4}"/>
               </a:ext>
             </a:extLst>
           </p:cNvPr>
@@ -21823,7 +21823,7 @@
           <p:cNvPr id="29" name="Текст 13">
             <a:extLst>
               <a:ext uri="{FF2B5EF4-FFF2-40B4-BE49-F238E27FC236}">
-                <a16:creationId xmlns:a16="http://schemas.microsoft.com/office/drawing/2014/main" xmlns="" id="{7E81EC0E-C936-F047-BCBE-336A7C292867}"/>
+                <a16:creationId xmlns="" xmlns:a16="http://schemas.microsoft.com/office/drawing/2014/main" id="{7E81EC0E-C936-F047-BCBE-336A7C292867}"/>
               </a:ext>
             </a:extLst>
           </p:cNvPr>
@@ -21874,7 +21874,7 @@
           <p:cNvPr id="25" name="Рисунок 10">
             <a:extLst>
               <a:ext uri="{FF2B5EF4-FFF2-40B4-BE49-F238E27FC236}">
-                <a16:creationId xmlns:a16="http://schemas.microsoft.com/office/drawing/2014/main" xmlns="" id="{1BD774AD-5E7F-E840-8C33-B151995FE976}"/>
+                <a16:creationId xmlns="" xmlns:a16="http://schemas.microsoft.com/office/drawing/2014/main" id="{1BD774AD-5E7F-E840-8C33-B151995FE976}"/>
               </a:ext>
             </a:extLst>
           </p:cNvPr>
@@ -21912,7 +21912,7 @@
           <p:cNvPr id="26" name="Рисунок 10">
             <a:extLst>
               <a:ext uri="{FF2B5EF4-FFF2-40B4-BE49-F238E27FC236}">
-                <a16:creationId xmlns:a16="http://schemas.microsoft.com/office/drawing/2014/main" xmlns="" id="{DB250544-28AA-8443-8C89-1C2284A77F23}"/>
+                <a16:creationId xmlns="" xmlns:a16="http://schemas.microsoft.com/office/drawing/2014/main" id="{DB250544-28AA-8443-8C89-1C2284A77F23}"/>
               </a:ext>
             </a:extLst>
           </p:cNvPr>
@@ -21950,7 +21950,7 @@
           <p:cNvPr id="35" name="Рисунок 10">
             <a:extLst>
               <a:ext uri="{FF2B5EF4-FFF2-40B4-BE49-F238E27FC236}">
-                <a16:creationId xmlns:a16="http://schemas.microsoft.com/office/drawing/2014/main" xmlns="" id="{94A8308A-2698-E24C-8AEA-822C5EA2655A}"/>
+                <a16:creationId xmlns="" xmlns:a16="http://schemas.microsoft.com/office/drawing/2014/main" id="{94A8308A-2698-E24C-8AEA-822C5EA2655A}"/>
               </a:ext>
             </a:extLst>
           </p:cNvPr>
@@ -21988,7 +21988,7 @@
           <p:cNvPr id="36" name="Рисунок 10">
             <a:extLst>
               <a:ext uri="{FF2B5EF4-FFF2-40B4-BE49-F238E27FC236}">
-                <a16:creationId xmlns:a16="http://schemas.microsoft.com/office/drawing/2014/main" xmlns="" id="{5A3327EC-3702-7445-84A6-E66DB496B24E}"/>
+                <a16:creationId xmlns="" xmlns:a16="http://schemas.microsoft.com/office/drawing/2014/main" id="{5A3327EC-3702-7445-84A6-E66DB496B24E}"/>
               </a:ext>
             </a:extLst>
           </p:cNvPr>
@@ -22026,7 +22026,7 @@
           <p:cNvPr id="37" name="Текст 13">
             <a:extLst>
               <a:ext uri="{FF2B5EF4-FFF2-40B4-BE49-F238E27FC236}">
-                <a16:creationId xmlns:a16="http://schemas.microsoft.com/office/drawing/2014/main" xmlns="" id="{1F9C788A-0539-844B-A9E2-7E5787FDC48E}"/>
+                <a16:creationId xmlns="" xmlns:a16="http://schemas.microsoft.com/office/drawing/2014/main" id="{1F9C788A-0539-844B-A9E2-7E5787FDC48E}"/>
               </a:ext>
             </a:extLst>
           </p:cNvPr>
@@ -22109,7 +22109,7 @@
           <p:cNvPr id="38" name="Текст 13">
             <a:extLst>
               <a:ext uri="{FF2B5EF4-FFF2-40B4-BE49-F238E27FC236}">
-                <a16:creationId xmlns:a16="http://schemas.microsoft.com/office/drawing/2014/main" xmlns="" id="{D00BA3AD-071F-454D-9E76-04A384CEB42D}"/>
+                <a16:creationId xmlns="" xmlns:a16="http://schemas.microsoft.com/office/drawing/2014/main" id="{D00BA3AD-071F-454D-9E76-04A384CEB42D}"/>
               </a:ext>
             </a:extLst>
           </p:cNvPr>
@@ -22187,7 +22187,7 @@
           <p:cNvPr id="39" name="Текст 13">
             <a:extLst>
               <a:ext uri="{FF2B5EF4-FFF2-40B4-BE49-F238E27FC236}">
-                <a16:creationId xmlns:a16="http://schemas.microsoft.com/office/drawing/2014/main" xmlns="" id="{0801B247-141C-BF4E-B3B8-67528581BE75}"/>
+                <a16:creationId xmlns="" xmlns:a16="http://schemas.microsoft.com/office/drawing/2014/main" id="{0801B247-141C-BF4E-B3B8-67528581BE75}"/>
               </a:ext>
             </a:extLst>
           </p:cNvPr>
@@ -22270,7 +22270,7 @@
           <p:cNvPr id="40" name="Текст 13">
             <a:extLst>
               <a:ext uri="{FF2B5EF4-FFF2-40B4-BE49-F238E27FC236}">
-                <a16:creationId xmlns:a16="http://schemas.microsoft.com/office/drawing/2014/main" xmlns="" id="{71D4666A-7E76-4242-BF15-CECA56F77772}"/>
+                <a16:creationId xmlns="" xmlns:a16="http://schemas.microsoft.com/office/drawing/2014/main" id="{71D4666A-7E76-4242-BF15-CECA56F77772}"/>
               </a:ext>
             </a:extLst>
           </p:cNvPr>
@@ -22348,7 +22348,7 @@
           <p:cNvPr id="23" name="Рисунок 3">
             <a:extLst>
               <a:ext uri="{FF2B5EF4-FFF2-40B4-BE49-F238E27FC236}">
-                <a16:creationId xmlns:a16="http://schemas.microsoft.com/office/drawing/2014/main" xmlns="" id="{0451D57C-FD35-FD4E-A5E3-560F6B6E7DE5}"/>
+                <a16:creationId xmlns="" xmlns:a16="http://schemas.microsoft.com/office/drawing/2014/main" id="{0451D57C-FD35-FD4E-A5E3-560F6B6E7DE5}"/>
               </a:ext>
             </a:extLst>
           </p:cNvPr>
@@ -22452,7 +22452,7 @@
           <p:cNvPr id="12" name="Изображение 8">
             <a:extLst>
               <a:ext uri="{FF2B5EF4-FFF2-40B4-BE49-F238E27FC236}">
-                <a16:creationId xmlns:a16="http://schemas.microsoft.com/office/drawing/2014/main" xmlns="" id="{4BDDB143-F27E-4A4F-81EF-CF473B4BCC3D}"/>
+                <a16:creationId xmlns="" xmlns:a16="http://schemas.microsoft.com/office/drawing/2014/main" id="{4BDDB143-F27E-4A4F-81EF-CF473B4BCC3D}"/>
               </a:ext>
             </a:extLst>
           </p:cNvPr>
@@ -22482,7 +22482,7 @@
           <p:cNvPr id="9" name="Subtitle 2">
             <a:extLst>
               <a:ext uri="{FF2B5EF4-FFF2-40B4-BE49-F238E27FC236}">
-                <a16:creationId xmlns:a16="http://schemas.microsoft.com/office/drawing/2014/main" xmlns="" id="{F6C8D39B-D58C-0445-9CFA-71520C250F3D}"/>
+                <a16:creationId xmlns="" xmlns:a16="http://schemas.microsoft.com/office/drawing/2014/main" id="{F6C8D39B-D58C-0445-9CFA-71520C250F3D}"/>
               </a:ext>
             </a:extLst>
           </p:cNvPr>
@@ -22573,7 +22573,7 @@
           <p:cNvPr id="10" name="Рисунок 7">
             <a:extLst>
               <a:ext uri="{FF2B5EF4-FFF2-40B4-BE49-F238E27FC236}">
-                <a16:creationId xmlns:a16="http://schemas.microsoft.com/office/drawing/2014/main" xmlns="" id="{3C929475-4986-B94B-8DD4-AB7E21B6B073}"/>
+                <a16:creationId xmlns="" xmlns:a16="http://schemas.microsoft.com/office/drawing/2014/main" id="{3C929475-4986-B94B-8DD4-AB7E21B6B073}"/>
               </a:ext>
             </a:extLst>
           </p:cNvPr>
@@ -22618,7 +22618,7 @@
           <p:cNvPr id="11" name="Рисунок 9">
             <a:extLst>
               <a:ext uri="{FF2B5EF4-FFF2-40B4-BE49-F238E27FC236}">
-                <a16:creationId xmlns:a16="http://schemas.microsoft.com/office/drawing/2014/main" xmlns="" id="{1B0B3019-AFD9-0743-8868-0C3A8ED2169A}"/>
+                <a16:creationId xmlns="" xmlns:a16="http://schemas.microsoft.com/office/drawing/2014/main" id="{1B0B3019-AFD9-0743-8868-0C3A8ED2169A}"/>
               </a:ext>
             </a:extLst>
           </p:cNvPr>
@@ -22680,7 +22680,7 @@
           <p:cNvPr id="13" name="Title 1">
             <a:extLst>
               <a:ext uri="{FF2B5EF4-FFF2-40B4-BE49-F238E27FC236}">
-                <a16:creationId xmlns:a16="http://schemas.microsoft.com/office/drawing/2014/main" xmlns="" id="{C6F670BF-8E22-3E4D-9C0A-54CE30779E69}"/>
+                <a16:creationId xmlns="" xmlns:a16="http://schemas.microsoft.com/office/drawing/2014/main" id="{C6F670BF-8E22-3E4D-9C0A-54CE30779E69}"/>
               </a:ext>
             </a:extLst>
           </p:cNvPr>
@@ -22765,7 +22765,7 @@
           <p:cNvPr id="14" name="Изображение 8">
             <a:extLst>
               <a:ext uri="{FF2B5EF4-FFF2-40B4-BE49-F238E27FC236}">
-                <a16:creationId xmlns:a16="http://schemas.microsoft.com/office/drawing/2014/main" xmlns="" id="{C3F2E158-9AB6-9C4B-A807-81B718CF263F}"/>
+                <a16:creationId xmlns="" xmlns:a16="http://schemas.microsoft.com/office/drawing/2014/main" id="{C3F2E158-9AB6-9C4B-A807-81B718CF263F}"/>
               </a:ext>
             </a:extLst>
           </p:cNvPr>
@@ -22795,7 +22795,7 @@
           <p:cNvPr id="15" name="Рисунок 7">
             <a:extLst>
               <a:ext uri="{FF2B5EF4-FFF2-40B4-BE49-F238E27FC236}">
-                <a16:creationId xmlns:a16="http://schemas.microsoft.com/office/drawing/2014/main" xmlns="" id="{DE31B85E-EFA3-534A-8B61-95B1430AFB7C}"/>
+                <a16:creationId xmlns="" xmlns:a16="http://schemas.microsoft.com/office/drawing/2014/main" id="{DE31B85E-EFA3-534A-8B61-95B1430AFB7C}"/>
               </a:ext>
             </a:extLst>
           </p:cNvPr>
@@ -22840,7 +22840,7 @@
           <p:cNvPr id="20" name="Title 1">
             <a:extLst>
               <a:ext uri="{FF2B5EF4-FFF2-40B4-BE49-F238E27FC236}">
-                <a16:creationId xmlns:a16="http://schemas.microsoft.com/office/drawing/2014/main" xmlns="" id="{EC3997C0-5DDE-C545-B51F-566050A0DAF8}"/>
+                <a16:creationId xmlns="" xmlns:a16="http://schemas.microsoft.com/office/drawing/2014/main" id="{EC3997C0-5DDE-C545-B51F-566050A0DAF8}"/>
               </a:ext>
             </a:extLst>
           </p:cNvPr>
@@ -22895,7 +22895,7 @@
           <p:cNvPr id="21" name="Subtitle 2">
             <a:extLst>
               <a:ext uri="{FF2B5EF4-FFF2-40B4-BE49-F238E27FC236}">
-                <a16:creationId xmlns:a16="http://schemas.microsoft.com/office/drawing/2014/main" xmlns="" id="{1EEFBE62-308B-FB40-AD33-EF31CBD75672}"/>
+                <a16:creationId xmlns="" xmlns:a16="http://schemas.microsoft.com/office/drawing/2014/main" id="{1EEFBE62-308B-FB40-AD33-EF31CBD75672}"/>
               </a:ext>
             </a:extLst>
           </p:cNvPr>
@@ -22986,7 +22986,7 @@
           <p:cNvPr id="22" name="Рисунок 3">
             <a:extLst>
               <a:ext uri="{FF2B5EF4-FFF2-40B4-BE49-F238E27FC236}">
-                <a16:creationId xmlns:a16="http://schemas.microsoft.com/office/drawing/2014/main" xmlns="" id="{96436556-10C6-FC4D-A17B-DC11B267B4F2}"/>
+                <a16:creationId xmlns="" xmlns:a16="http://schemas.microsoft.com/office/drawing/2014/main" id="{96436556-10C6-FC4D-A17B-DC11B267B4F2}"/>
               </a:ext>
             </a:extLst>
           </p:cNvPr>
@@ -23186,7 +23186,7 @@
           <p:cNvPr id="4" name="Title 1">
             <a:extLst>
               <a:ext uri="{FF2B5EF4-FFF2-40B4-BE49-F238E27FC236}">
-                <a16:creationId xmlns:a16="http://schemas.microsoft.com/office/drawing/2014/main" xmlns="" id="{5718877E-EFDC-BB45-AB21-136CBDAED258}"/>
+                <a16:creationId xmlns="" xmlns:a16="http://schemas.microsoft.com/office/drawing/2014/main" id="{5718877E-EFDC-BB45-AB21-136CBDAED258}"/>
               </a:ext>
             </a:extLst>
           </p:cNvPr>
@@ -23408,7 +23408,7 @@
           <p:cNvPr id="4" name="Title 1">
             <a:extLst>
               <a:ext uri="{FF2B5EF4-FFF2-40B4-BE49-F238E27FC236}">
-                <a16:creationId xmlns:a16="http://schemas.microsoft.com/office/drawing/2014/main" xmlns="" id="{5718877E-EFDC-BB45-AB21-136CBDAED258}"/>
+                <a16:creationId xmlns="" xmlns:a16="http://schemas.microsoft.com/office/drawing/2014/main" id="{5718877E-EFDC-BB45-AB21-136CBDAED258}"/>
               </a:ext>
             </a:extLst>
           </p:cNvPr>
@@ -23499,7 +23499,7 @@
           <p:cNvPr id="4" name="Рисунок 2">
             <a:extLst>
               <a:ext uri="{FF2B5EF4-FFF2-40B4-BE49-F238E27FC236}">
-                <a16:creationId xmlns:a16="http://schemas.microsoft.com/office/drawing/2014/main" xmlns="" id="{121498A8-B247-8E41-B989-21A7A9E9BA40}"/>
+                <a16:creationId xmlns="" xmlns:a16="http://schemas.microsoft.com/office/drawing/2014/main" id="{121498A8-B247-8E41-B989-21A7A9E9BA40}"/>
               </a:ext>
             </a:extLst>
           </p:cNvPr>
@@ -23557,7 +23557,7 @@
           <p:cNvPr id="5" name="Text Placeholder 2">
             <a:extLst>
               <a:ext uri="{FF2B5EF4-FFF2-40B4-BE49-F238E27FC236}">
-                <a16:creationId xmlns:a16="http://schemas.microsoft.com/office/drawing/2014/main" xmlns="" id="{EC3A226A-A6E5-FC45-8E25-292A9270E55A}"/>
+                <a16:creationId xmlns="" xmlns:a16="http://schemas.microsoft.com/office/drawing/2014/main" id="{EC3A226A-A6E5-FC45-8E25-292A9270E55A}"/>
               </a:ext>
             </a:extLst>
           </p:cNvPr>
@@ -23686,7 +23686,7 @@
           <p:cNvPr id="8" name="Title 1">
             <a:extLst>
               <a:ext uri="{FF2B5EF4-FFF2-40B4-BE49-F238E27FC236}">
-                <a16:creationId xmlns:a16="http://schemas.microsoft.com/office/drawing/2014/main" xmlns="" id="{40F78064-496F-884F-B574-B9E9DA8CA6C7}"/>
+                <a16:creationId xmlns="" xmlns:a16="http://schemas.microsoft.com/office/drawing/2014/main" id="{40F78064-496F-884F-B574-B9E9DA8CA6C7}"/>
               </a:ext>
             </a:extLst>
           </p:cNvPr>
@@ -24823,7 +24823,15 @@
             <a:pPr algn="ctr"/>
             <a:r>
               <a:rPr lang="ru-RU" dirty="0" smtClean="0"/>
-              <a:t>Анализ доходности рейсов из Анапы </a:t>
+              <a:t>Анализ </a:t>
+            </a:r>
+            <a:r>
+              <a:rPr lang="ru-RU" dirty="0" smtClean="0"/>
+              <a:t>рентабельности рейсов </a:t>
+            </a:r>
+            <a:r>
+              <a:rPr lang="ru-RU" dirty="0" smtClean="0"/>
+              <a:t>из Анапы </a:t>
             </a:r>
             <a:br>
               <a:rPr lang="ru-RU" dirty="0" smtClean="0"/>
@@ -25538,21 +25546,8 @@
                   <a:sysClr val="windowText" lastClr="000000"/>
                 </a:solidFill>
               </a:rPr>
-              <a:t>рейса </a:t>
-            </a:r>
-            <a:r>
-              <a:rPr lang="ru-RU" sz="3200" dirty="0" smtClean="0">
-                <a:solidFill>
-                  <a:sysClr val="windowText" lastClr="000000"/>
-                </a:solidFill>
-              </a:rPr>
-              <a:t>(минут)</a:t>
-            </a:r>
-            <a:endParaRPr lang="ru-RU" sz="3200" dirty="0" smtClean="0">
-              <a:solidFill>
-                <a:sysClr val="windowText" lastClr="000000"/>
-              </a:solidFill>
-            </a:endParaRPr>
+              <a:t>рейса (минут)</a:t>
+            </a:r>
           </a:p>
         </p:txBody>
       </p:sp>
@@ -25602,11 +25597,6 @@
               </a:rPr>
               <a:t>на выполнение рейса </a:t>
             </a:r>
-            <a:endParaRPr lang="ru-RU" sz="3200" dirty="0" smtClean="0">
-              <a:solidFill>
-                <a:sysClr val="windowText" lastClr="000000"/>
-              </a:solidFill>
-            </a:endParaRPr>
           </a:p>
         </p:txBody>
       </p:sp>
@@ -25656,11 +25646,6 @@
               </a:rPr>
               <a:t>на выполнение рейса </a:t>
             </a:r>
-            <a:endParaRPr lang="ru-RU" sz="3200" dirty="0" smtClean="0">
-              <a:solidFill>
-                <a:sysClr val="windowText" lastClr="000000"/>
-              </a:solidFill>
-            </a:endParaRPr>
           </a:p>
         </p:txBody>
       </p:sp>
@@ -25721,11 +25706,6 @@
               </a:rPr>
               <a:t>рейса </a:t>
             </a:r>
-            <a:endParaRPr lang="ru-RU" sz="3200" dirty="0" smtClean="0">
-              <a:solidFill>
-                <a:sysClr val="windowText" lastClr="000000"/>
-              </a:solidFill>
-            </a:endParaRPr>
           </a:p>
         </p:txBody>
       </p:sp>
@@ -26116,7 +26096,7 @@
         </p:nvSpPr>
         <p:spPr>
           <a:xfrm>
-            <a:off x="18049875" y="9324975"/>
+            <a:off x="16391196" y="9367505"/>
             <a:ext cx="4576209" cy="722792"/>
           </a:xfrm>
           <a:prstGeom prst="roundRect">
@@ -26312,7 +26292,7 @@
                   <a:sysClr val="windowText" lastClr="000000"/>
                 </a:solidFill>
               </a:rPr>
-              <a:t>имеют отрицательную доходность</a:t>
+              <a:t>убыточны</a:t>
             </a:r>
             <a:r>
               <a:rPr lang="ru-RU" sz="3200" dirty="0" smtClean="0">
@@ -26320,7 +26300,7 @@
                   <a:sysClr val="windowText" lastClr="000000"/>
                 </a:solidFill>
               </a:rPr>
-              <a:t>, а </a:t>
+              <a:t>, </a:t>
             </a:r>
             <a:r>
               <a:rPr lang="ru-RU" sz="3200" dirty="0" smtClean="0">
@@ -26328,7 +26308,31 @@
                   <a:sysClr val="windowText" lastClr="000000"/>
                 </a:solidFill>
               </a:rPr>
-              <a:t>26 имеют доходность менее 100 000 руб. </a:t>
+              <a:t>а </a:t>
+            </a:r>
+            <a:r>
+              <a:rPr lang="ru-RU" sz="3200" dirty="0" smtClean="0">
+                <a:solidFill>
+                  <a:sysClr val="windowText" lastClr="000000"/>
+                </a:solidFill>
+              </a:rPr>
+              <a:t>у </a:t>
+            </a:r>
+            <a:r>
+              <a:rPr lang="ru-RU" sz="3200" dirty="0" smtClean="0">
+                <a:solidFill>
+                  <a:sysClr val="windowText" lastClr="000000"/>
+                </a:solidFill>
+              </a:rPr>
+              <a:t>26 показатель валовой прибыли (ВП) </a:t>
+            </a:r>
+            <a:r>
+              <a:rPr lang="ru-RU" sz="3200" dirty="0" smtClean="0">
+                <a:solidFill>
+                  <a:sysClr val="windowText" lastClr="000000"/>
+                </a:solidFill>
+              </a:rPr>
+              <a:t>менее 100 000 руб. </a:t>
             </a:r>
             <a:r>
               <a:rPr lang="ru-RU" sz="3200" b="1" dirty="0" smtClean="0">
@@ -26350,7 +26354,23 @@
                   <a:sysClr val="windowText" lastClr="000000"/>
                 </a:solidFill>
               </a:rPr>
-              <a:t>у 37 рейсов доходность находится в интервале от 100 до 300 тысяч руб.</a:t>
+              <a:t>у 37 рейсов </a:t>
+            </a:r>
+            <a:r>
+              <a:rPr lang="ru-RU" sz="3200" dirty="0" smtClean="0">
+                <a:solidFill>
+                  <a:sysClr val="windowText" lastClr="000000"/>
+                </a:solidFill>
+              </a:rPr>
+              <a:t>ВП находится </a:t>
+            </a:r>
+            <a:r>
+              <a:rPr lang="ru-RU" sz="3200" dirty="0" smtClean="0">
+                <a:solidFill>
+                  <a:sysClr val="windowText" lastClr="000000"/>
+                </a:solidFill>
+              </a:rPr>
+              <a:t>в интервале от 100 до 300 тысяч руб.</a:t>
             </a:r>
           </a:p>
           <a:p>
@@ -26378,13 +26398,24 @@
                   <a:sysClr val="windowText" lastClr="000000"/>
                 </a:solidFill>
               </a:rPr>
-              <a:t>Доходность 23 рейсов составляет свыше 400 000 рублей.</a:t>
-            </a:r>
-            <a:endParaRPr lang="ru-RU" sz="3200" dirty="0" smtClean="0">
-              <a:solidFill>
-                <a:sysClr val="windowText" lastClr="000000"/>
-              </a:solidFill>
-            </a:endParaRPr>
+              <a:t>ВП</a:t>
+            </a:r>
+            <a:r>
+              <a:rPr lang="ru-RU" sz="3200" dirty="0" smtClean="0">
+                <a:solidFill>
+                  <a:sysClr val="windowText" lastClr="000000"/>
+                </a:solidFill>
+              </a:rPr>
+              <a:t> </a:t>
+            </a:r>
+            <a:r>
+              <a:rPr lang="ru-RU" sz="3200" dirty="0" smtClean="0">
+                <a:solidFill>
+                  <a:sysClr val="windowText" lastClr="000000"/>
+                </a:solidFill>
+              </a:rPr>
+              <a:t>23 рейсов составляет свыше 400 000 рублей.</a:t>
+            </a:r>
           </a:p>
           <a:p>
             <a:pPr algn="l"/>
@@ -26513,7 +26544,15 @@
             <a:pPr lvl="2"/>
             <a:r>
               <a:rPr lang="ru-RU" sz="3600" dirty="0" smtClean="0"/>
-              <a:t>В числе 30 рейсов с самой низкой доходностью только один </a:t>
+              <a:t>В числе 30 рейсов с самой низкой </a:t>
+            </a:r>
+            <a:r>
+              <a:rPr lang="ru-RU" sz="3600" dirty="0" smtClean="0"/>
+              <a:t>ВП только </a:t>
+            </a:r>
+            <a:r>
+              <a:rPr lang="ru-RU" sz="3600" dirty="0" smtClean="0"/>
+              <a:t>один </a:t>
             </a:r>
             <a:r>
               <a:rPr lang="ru-RU" sz="3600" dirty="0" err="1" smtClean="0"/>
@@ -26604,7 +26643,15 @@
             <a:pPr lvl="2"/>
             <a:r>
               <a:rPr lang="ru-RU" sz="3600" dirty="0" smtClean="0"/>
-              <a:t>Только 6 из 51 рейса с доходностью более 300 000 рублей совершены на самолетах Боинг </a:t>
+              <a:t>Только 6 из 51 рейса с </a:t>
+            </a:r>
+            <a:r>
+              <a:rPr lang="ru-RU" sz="3600" dirty="0" smtClean="0"/>
+              <a:t>ВП более </a:t>
+            </a:r>
+            <a:r>
+              <a:rPr lang="ru-RU" sz="3600" dirty="0" smtClean="0"/>
+              <a:t>300 000 рублей совершены на самолетах Боинг </a:t>
             </a:r>
             <a:br>
               <a:rPr lang="ru-RU" sz="3600" dirty="0" smtClean="0"/>
